--- a/presentations/Využitie LLM pre analýzu právnych dokumentov nove.pptx
+++ b/presentations/Využitie LLM pre analýzu právnych dokumentov nove.pptx
@@ -5,7 +5,7 @@
     <p:sldMasterId id="2147483648" r:id="rId1"/>
   </p:sldMasterIdLst>
   <p:handoutMasterIdLst>
-    <p:handoutMasterId r:id="rId12"/>
+    <p:handoutMasterId r:id="rId14"/>
   </p:handoutMasterIdLst>
   <p:sldIdLst>
     <p:sldId id="256" r:id="rId2"/>
@@ -13,11 +13,13 @@
     <p:sldId id="258" r:id="rId4"/>
     <p:sldId id="259" r:id="rId5"/>
     <p:sldId id="260" r:id="rId6"/>
-    <p:sldId id="261" r:id="rId7"/>
-    <p:sldId id="262" r:id="rId8"/>
-    <p:sldId id="263" r:id="rId9"/>
-    <p:sldId id="264" r:id="rId10"/>
-    <p:sldId id="265" r:id="rId11"/>
+    <p:sldId id="266" r:id="rId7"/>
+    <p:sldId id="268" r:id="rId8"/>
+    <p:sldId id="261" r:id="rId9"/>
+    <p:sldId id="262" r:id="rId10"/>
+    <p:sldId id="263" r:id="rId11"/>
+    <p:sldId id="264" r:id="rId12"/>
+    <p:sldId id="265" r:id="rId13"/>
   </p:sldIdLst>
   <p:sldSz cx="12192000" cy="6858000"/>
   <p:notesSz cx="6858000" cy="9144000"/>
@@ -116,6 +118,14 @@
       </a:defRPr>
     </a:lvl9pPr>
   </p:defaultTextStyle>
+  <p:extLst>
+    <p:ext uri="{EFAFB233-063F-42B5-8137-9DF3F51BA10A}">
+      <p15:sldGuideLst xmlns:p15="http://schemas.microsoft.com/office/powerpoint/2012/main"/>
+    </p:ext>
+    <p:ext uri="{2D200454-40CA-4A62-9FC3-DE9A4176ACB9}">
+      <p15:notesGuideLst xmlns:p15="http://schemas.microsoft.com/office/powerpoint/2012/main"/>
+    </p:ext>
+  </p:extLst>
 </p:presentation>
 </file>
 
@@ -3569,7 +3579,7 @@
           <a:lstStyle/>
           <a:p>
             <a:r>
-              <a:rPr lang="sk-SK" sz="2800" dirty="0">
+              <a:rPr lang="sk-SK" sz="2800" noProof="1">
                 <a:latin typeface="CMU Serif Roman" panose="02000603000000000000" pitchFamily="2" charset="0"/>
                 <a:ea typeface="CMU Serif Roman" panose="02000603000000000000" pitchFamily="2" charset="0"/>
                 <a:cs typeface="CMU Serif Roman" panose="02000603000000000000" pitchFamily="2" charset="0"/>
@@ -3603,7 +3613,7 @@
           <a:lstStyle/>
           <a:p>
             <a:r>
-              <a:rPr lang="sk-SK" sz="1600" dirty="0">
+              <a:rPr lang="sk-SK" sz="1600" noProof="1">
                 <a:latin typeface="CMU Serif Roman" panose="02000603000000000000" pitchFamily="2" charset="0"/>
                 <a:ea typeface="CMU Serif Roman" panose="02000603000000000000" pitchFamily="2" charset="0"/>
                 <a:cs typeface="CMU Serif Roman" panose="02000603000000000000" pitchFamily="2" charset="0"/>
@@ -3645,6 +3655,310 @@
       </p:grpSpPr>
       <p:sp>
         <p:nvSpPr>
+          <p:cNvPr id="2" name="Title 1">
+            <a:extLst>
+              <a:ext uri="{FF2B5EF4-FFF2-40B4-BE49-F238E27FC236}">
+                <a16:creationId xmlns:a16="http://schemas.microsoft.com/office/drawing/2014/main" id="{7216577A-A137-415D-1BC7-9EA59361F47E}"/>
+              </a:ext>
+            </a:extLst>
+          </p:cNvPr>
+          <p:cNvSpPr>
+            <a:spLocks noGrp="1"/>
+          </p:cNvSpPr>
+          <p:nvPr>
+            <p:ph type="title"/>
+          </p:nvPr>
+        </p:nvSpPr>
+        <p:spPr/>
+        <p:txBody>
+          <a:bodyPr/>
+          <a:lstStyle/>
+          <a:p>
+            <a:r>
+              <a:rPr lang="sk-SK" b="1" noProof="1"/>
+              <a:t>Validácia na literárnom diele</a:t>
+            </a:r>
+            <a:endParaRPr lang="sk-SK" noProof="1"/>
+          </a:p>
+        </p:txBody>
+      </p:sp>
+      <p:sp>
+        <p:nvSpPr>
+          <p:cNvPr id="3" name="Content Placeholder 2">
+            <a:extLst>
+              <a:ext uri="{FF2B5EF4-FFF2-40B4-BE49-F238E27FC236}">
+                <a16:creationId xmlns:a16="http://schemas.microsoft.com/office/drawing/2014/main" id="{12501B99-2B40-E752-B3E4-3A8F7A41CAE0}"/>
+              </a:ext>
+            </a:extLst>
+          </p:cNvPr>
+          <p:cNvSpPr>
+            <a:spLocks noGrp="1"/>
+          </p:cNvSpPr>
+          <p:nvPr>
+            <p:ph idx="1"/>
+          </p:nvPr>
+        </p:nvSpPr>
+        <p:spPr/>
+        <p:txBody>
+          <a:bodyPr>
+            <a:normAutofit/>
+          </a:bodyPr>
+          <a:lstStyle/>
+          <a:p>
+            <a:r>
+              <a:rPr lang="sk-SK" b="1" noProof="1"/>
+              <a:t>Prečo</a:t>
+            </a:r>
+            <a:r>
+              <a:rPr lang="sk-SK" noProof="1"/>
+              <a:t>: Jednoduchšie overenie faktov a komplexných vzťahov.</a:t>
+            </a:r>
+          </a:p>
+          <a:p>
+            <a:r>
+              <a:rPr lang="sk-SK" b="1" noProof="1"/>
+              <a:t>Efektivita</a:t>
+            </a:r>
+            <a:r>
+              <a:rPr lang="sk-SK" noProof="1"/>
+              <a:t>: Asynchrónne spracovanie znížilo čas z 12 min na 2 min (6x zrýchlenie).</a:t>
+            </a:r>
+          </a:p>
+          <a:p>
+            <a:r>
+              <a:rPr lang="sk-SK" b="1" noProof="1"/>
+              <a:t>Presnosť</a:t>
+            </a:r>
+            <a:r>
+              <a:rPr lang="sk-SK" noProof="1"/>
+              <a:t>: Napriek nekonzistentnosti v otvorenej doméne (5 rôznych vzťahov pre "lásku") systém vďaka grafu vždy našiel správnu odpoveď.</a:t>
+            </a:r>
+          </a:p>
+          <a:p>
+            <a:r>
+              <a:rPr lang="sk-SK" b="1" noProof="1"/>
+              <a:t>Aktuálny stav</a:t>
+            </a:r>
+            <a:r>
+              <a:rPr lang="sk-SK" noProof="1"/>
+              <a:t>: Prechod na reálne dáta zo Slov-Lex.</a:t>
+            </a:r>
+          </a:p>
+        </p:txBody>
+      </p:sp>
+      <p:pic>
+        <p:nvPicPr>
+          <p:cNvPr id="4" name="Picture 3">
+            <a:extLst>
+              <a:ext uri="{FF2B5EF4-FFF2-40B4-BE49-F238E27FC236}">
+                <a16:creationId xmlns:a16="http://schemas.microsoft.com/office/drawing/2014/main" id="{F30EFD78-F8D2-78BF-273B-0EED4F26F42F}"/>
+              </a:ext>
+            </a:extLst>
+          </p:cNvPr>
+          <p:cNvPicPr>
+            <a:picLocks noChangeAspect="1"/>
+          </p:cNvPicPr>
+          <p:nvPr/>
+        </p:nvPicPr>
+        <p:blipFill>
+          <a:blip r:embed="rId2"/>
+          <a:stretch>
+            <a:fillRect/>
+          </a:stretch>
+        </p:blipFill>
+        <p:spPr>
+          <a:xfrm>
+            <a:off x="8292403" y="3776663"/>
+            <a:ext cx="3435350" cy="2400300"/>
+          </a:xfrm>
+          <a:prstGeom prst="rect">
+            <a:avLst/>
+          </a:prstGeom>
+        </p:spPr>
+      </p:pic>
+      <p:pic>
+        <p:nvPicPr>
+          <p:cNvPr id="5" name="Picture 4">
+            <a:extLst>
+              <a:ext uri="{FF2B5EF4-FFF2-40B4-BE49-F238E27FC236}">
+                <a16:creationId xmlns:a16="http://schemas.microsoft.com/office/drawing/2014/main" id="{30BDCC64-AB66-4F60-71F1-4C8263DDBE82}"/>
+              </a:ext>
+            </a:extLst>
+          </p:cNvPr>
+          <p:cNvPicPr>
+            <a:picLocks noChangeAspect="1"/>
+          </p:cNvPicPr>
+          <p:nvPr/>
+        </p:nvPicPr>
+        <p:blipFill>
+          <a:blip r:embed="rId3"/>
+          <a:stretch>
+            <a:fillRect/>
+          </a:stretch>
+        </p:blipFill>
+        <p:spPr>
+          <a:xfrm>
+            <a:off x="1058591" y="4232525"/>
+            <a:ext cx="6859859" cy="1488576"/>
+          </a:xfrm>
+          <a:prstGeom prst="rect">
+            <a:avLst/>
+          </a:prstGeom>
+        </p:spPr>
+      </p:pic>
+    </p:spTree>
+    <p:extLst>
+      <p:ext uri="{BB962C8B-B14F-4D97-AF65-F5344CB8AC3E}">
+        <p14:creationId xmlns:p14="http://schemas.microsoft.com/office/powerpoint/2010/main" val="3560601952"/>
+      </p:ext>
+    </p:extLst>
+  </p:cSld>
+  <p:clrMapOvr>
+    <a:masterClrMapping/>
+  </p:clrMapOvr>
+</p:sld>
+</file>
+
+<file path=ppt/slides/slide11.xml><?xml version="1.0" encoding="utf-8"?>
+<p:sld xmlns:a="http://schemas.openxmlformats.org/drawingml/2006/main" xmlns:r="http://schemas.openxmlformats.org/officeDocument/2006/relationships" xmlns:p="http://schemas.openxmlformats.org/presentationml/2006/main">
+  <p:cSld>
+    <p:spTree>
+      <p:nvGrpSpPr>
+        <p:cNvPr id="1" name=""/>
+        <p:cNvGrpSpPr/>
+        <p:nvPr/>
+      </p:nvGrpSpPr>
+      <p:grpSpPr>
+        <a:xfrm>
+          <a:off x="0" y="0"/>
+          <a:ext cx="0" cy="0"/>
+          <a:chOff x="0" y="0"/>
+          <a:chExt cx="0" cy="0"/>
+        </a:xfrm>
+      </p:grpSpPr>
+      <p:sp>
+        <p:nvSpPr>
+          <p:cNvPr id="2" name="Title 1">
+            <a:extLst>
+              <a:ext uri="{FF2B5EF4-FFF2-40B4-BE49-F238E27FC236}">
+                <a16:creationId xmlns:a16="http://schemas.microsoft.com/office/drawing/2014/main" id="{4178A3C7-F223-AA8E-EE63-F48CDCB79B53}"/>
+              </a:ext>
+            </a:extLst>
+          </p:cNvPr>
+          <p:cNvSpPr>
+            <a:spLocks noGrp="1"/>
+          </p:cNvSpPr>
+          <p:nvPr>
+            <p:ph type="title"/>
+          </p:nvPr>
+        </p:nvSpPr>
+        <p:spPr/>
+        <p:txBody>
+          <a:bodyPr/>
+          <a:lstStyle/>
+          <a:p>
+            <a:r>
+              <a:rPr lang="sk-SK" b="1" noProof="1"/>
+              <a:t>Plán na letný semester</a:t>
+            </a:r>
+          </a:p>
+        </p:txBody>
+      </p:sp>
+      <p:sp>
+        <p:nvSpPr>
+          <p:cNvPr id="3" name="Content Placeholder 2">
+            <a:extLst>
+              <a:ext uri="{FF2B5EF4-FFF2-40B4-BE49-F238E27FC236}">
+                <a16:creationId xmlns:a16="http://schemas.microsoft.com/office/drawing/2014/main" id="{4058E4B7-9F38-8AFD-A7E7-54C998F93164}"/>
+              </a:ext>
+            </a:extLst>
+          </p:cNvPr>
+          <p:cNvSpPr>
+            <a:spLocks noGrp="1"/>
+          </p:cNvSpPr>
+          <p:nvPr>
+            <p:ph idx="1"/>
+          </p:nvPr>
+        </p:nvSpPr>
+        <p:spPr/>
+        <p:txBody>
+          <a:bodyPr/>
+          <a:lstStyle/>
+          <a:p>
+            <a:r>
+              <a:rPr lang="sk-SK" noProof="1"/>
+              <a:t>Optimalizácia</a:t>
+            </a:r>
+            <a:r>
+              <a:rPr lang="sk-SK" b="1" noProof="1"/>
+              <a:t> </a:t>
+            </a:r>
+            <a:r>
+              <a:rPr lang="sk-SK" noProof="1"/>
+              <a:t>promptov.</a:t>
+            </a:r>
+          </a:p>
+          <a:p>
+            <a:r>
+              <a:rPr lang="sk-SK" b="1" noProof="1"/>
+              <a:t>Webová aplikácia</a:t>
+            </a:r>
+            <a:r>
+              <a:rPr lang="sk-SK" noProof="1"/>
+              <a:t>: Používateľské rozhranie pre vkladanie otázok a vizualizáciu nájdených grafov alebo </a:t>
+            </a:r>
+            <a:r>
+              <a:rPr lang="sk-SK" b="1" noProof="1"/>
+              <a:t>Jupyter Notebook</a:t>
+            </a:r>
+            <a:r>
+              <a:rPr lang="sk-SK" noProof="1"/>
+              <a:t>.</a:t>
+            </a:r>
+          </a:p>
+          <a:p>
+            <a:r>
+              <a:rPr lang="sk-SK" noProof="1"/>
+              <a:t>Dokončiť implementáciu vyhľadávania a multi-hop reasoningu.</a:t>
+            </a:r>
+          </a:p>
+          <a:p>
+            <a:endParaRPr lang="sk-SK" noProof="1"/>
+          </a:p>
+        </p:txBody>
+      </p:sp>
+    </p:spTree>
+    <p:extLst>
+      <p:ext uri="{BB962C8B-B14F-4D97-AF65-F5344CB8AC3E}">
+        <p14:creationId xmlns:p14="http://schemas.microsoft.com/office/powerpoint/2010/main" val="3591138158"/>
+      </p:ext>
+    </p:extLst>
+  </p:cSld>
+  <p:clrMapOvr>
+    <a:masterClrMapping/>
+  </p:clrMapOvr>
+</p:sld>
+</file>
+
+<file path=ppt/slides/slide12.xml><?xml version="1.0" encoding="utf-8"?>
+<p:sld xmlns:a="http://schemas.openxmlformats.org/drawingml/2006/main" xmlns:r="http://schemas.openxmlformats.org/officeDocument/2006/relationships" xmlns:p="http://schemas.openxmlformats.org/presentationml/2006/main">
+  <p:cSld>
+    <p:spTree>
+      <p:nvGrpSpPr>
+        <p:cNvPr id="1" name=""/>
+        <p:cNvGrpSpPr/>
+        <p:nvPr/>
+      </p:nvGrpSpPr>
+      <p:grpSpPr>
+        <a:xfrm>
+          <a:off x="0" y="0"/>
+          <a:ext cx="0" cy="0"/>
+          <a:chOff x="0" y="0"/>
+          <a:chExt cx="0" cy="0"/>
+        </a:xfrm>
+      </p:grpSpPr>
+      <p:sp>
+        <p:nvSpPr>
           <p:cNvPr id="4" name="Title 3">
             <a:extLst>
               <a:ext uri="{FF2B5EF4-FFF2-40B4-BE49-F238E27FC236}">
@@ -3671,20 +3985,8 @@
           <a:p>
             <a:pPr algn="ctr"/>
             <a:r>
-              <a:rPr lang="en-US" dirty="0" err="1"/>
-              <a:t>Ďakujem</a:t>
-            </a:r>
-            <a:r>
-              <a:rPr lang="en-US" dirty="0"/>
-              <a:t> za </a:t>
-            </a:r>
-            <a:r>
-              <a:rPr lang="en-US" dirty="0" err="1"/>
-              <a:t>pozornosť</a:t>
-            </a:r>
-            <a:r>
-              <a:rPr lang="en-US" dirty="0"/>
-              <a:t>.</a:t>
+              <a:rPr lang="sk-SK" noProof="1"/>
+              <a:t>Ďakujem za pozornosť.</a:t>
             </a:r>
           </a:p>
         </p:txBody>
@@ -3741,18 +4043,9 @@
           <a:lstStyle/>
           <a:p>
             <a:r>
-              <a:rPr lang="en-US" b="1" dirty="0" err="1"/>
-              <a:t>Úvod</a:t>
-            </a:r>
-            <a:r>
-              <a:rPr lang="en-US" b="1" dirty="0"/>
-              <a:t> a </a:t>
-            </a:r>
-            <a:r>
-              <a:rPr lang="en-US" b="1" dirty="0" err="1"/>
-              <a:t>motivácia</a:t>
-            </a:r>
-            <a:endParaRPr lang="en-US" b="1" dirty="0"/>
+              <a:rPr lang="sk-SK" b="1" noProof="1"/>
+              <a:t>Úvod a motivácia</a:t>
+            </a:r>
           </a:p>
         </p:txBody>
       </p:sp>
@@ -3780,281 +4073,49 @@
           <a:lstStyle/>
           <a:p>
             <a:r>
-              <a:rPr lang="en-US" b="1" dirty="0" err="1"/>
+              <a:rPr lang="sk-SK" b="1" noProof="1"/>
               <a:t>Problém</a:t>
             </a:r>
             <a:r>
-              <a:rPr lang="en-US" dirty="0"/>
-              <a:t>: </a:t>
-            </a:r>
-            <a:r>
-              <a:rPr lang="en-US" dirty="0" err="1"/>
-              <a:t>Právne</a:t>
-            </a:r>
-            <a:r>
-              <a:rPr lang="en-US" dirty="0"/>
-              <a:t> </a:t>
-            </a:r>
-            <a:r>
-              <a:rPr lang="en-US" dirty="0" err="1"/>
-              <a:t>texty</a:t>
-            </a:r>
-            <a:r>
-              <a:rPr lang="en-US" dirty="0"/>
-              <a:t> </a:t>
-            </a:r>
-            <a:r>
-              <a:rPr lang="en-US" dirty="0" err="1"/>
-              <a:t>sú</a:t>
-            </a:r>
-            <a:r>
-              <a:rPr lang="en-US" dirty="0"/>
-              <a:t> </a:t>
-            </a:r>
-            <a:r>
-              <a:rPr lang="en-US" dirty="0" err="1"/>
-              <a:t>komplexné</a:t>
-            </a:r>
-            <a:r>
-              <a:rPr lang="en-US" dirty="0"/>
-              <a:t> a </a:t>
-            </a:r>
-            <a:r>
-              <a:rPr lang="en-US" dirty="0" err="1"/>
-              <a:t>sémanticky</a:t>
-            </a:r>
-            <a:r>
-              <a:rPr lang="en-US" dirty="0"/>
-              <a:t> </a:t>
-            </a:r>
-            <a:r>
-              <a:rPr lang="en-US" dirty="0" err="1"/>
-              <a:t>husté</a:t>
-            </a:r>
-            <a:r>
-              <a:rPr lang="en-US" dirty="0"/>
-              <a:t>; </a:t>
-            </a:r>
-            <a:r>
-              <a:rPr lang="en-US" dirty="0" err="1"/>
-              <a:t>samotné</a:t>
-            </a:r>
-            <a:r>
-              <a:rPr lang="en-US" dirty="0"/>
-              <a:t> LLM </a:t>
-            </a:r>
-            <a:r>
-              <a:rPr lang="en-US" dirty="0" err="1"/>
-              <a:t>trpia</a:t>
-            </a:r>
-            <a:r>
-              <a:rPr lang="en-US" dirty="0"/>
-              <a:t> </a:t>
-            </a:r>
-            <a:r>
-              <a:rPr lang="en-US" dirty="0" err="1"/>
-              <a:t>halucináciami</a:t>
-            </a:r>
-            <a:r>
-              <a:rPr lang="en-US" dirty="0"/>
-              <a:t> a </a:t>
-            </a:r>
-            <a:r>
-              <a:rPr lang="en-US" dirty="0" err="1"/>
-              <a:t>obmedzeným</a:t>
-            </a:r>
-            <a:r>
-              <a:rPr lang="en-US" dirty="0"/>
-              <a:t> </a:t>
-            </a:r>
-            <a:r>
-              <a:rPr lang="en-US" dirty="0" err="1"/>
-              <a:t>kontextom</a:t>
-            </a:r>
-            <a:r>
-              <a:rPr lang="en-US" dirty="0"/>
-              <a:t>.</a:t>
-            </a:r>
-          </a:p>
-          <a:p>
-            <a:r>
-              <a:rPr lang="en-US" b="1" dirty="0" err="1"/>
+              <a:rPr lang="sk-SK" noProof="1"/>
+              <a:t>: Právne texty sú komplexné a sémanticky husté; samotné LLM trpia halucináciami a obmedzeným kontextom (daň, daň z príjmu, daň z nehnuteľnosti).</a:t>
+            </a:r>
+          </a:p>
+          <a:p>
+            <a:r>
+              <a:rPr lang="sk-SK" b="1" noProof="1"/>
               <a:t>Riešenie</a:t>
             </a:r>
             <a:r>
-              <a:rPr lang="en-US" dirty="0"/>
-              <a:t>: </a:t>
-            </a:r>
-            <a:r>
-              <a:rPr lang="en-US" dirty="0" err="1"/>
-              <a:t>Transformácia</a:t>
-            </a:r>
-            <a:r>
-              <a:rPr lang="en-US" dirty="0"/>
-              <a:t> </a:t>
-            </a:r>
-            <a:r>
-              <a:rPr lang="en-US" dirty="0" err="1"/>
-              <a:t>neštruktúrovaného</a:t>
-            </a:r>
-            <a:r>
-              <a:rPr lang="en-US" dirty="0"/>
-              <a:t> </a:t>
-            </a:r>
-            <a:r>
-              <a:rPr lang="en-US" dirty="0" err="1"/>
-              <a:t>textu</a:t>
-            </a:r>
-            <a:r>
-              <a:rPr lang="en-US" dirty="0"/>
-              <a:t> do </a:t>
-            </a:r>
-            <a:r>
-              <a:rPr lang="en-US" dirty="0" err="1"/>
-              <a:t>Znalostného</a:t>
-            </a:r>
-            <a:r>
-              <a:rPr lang="en-US" dirty="0"/>
-              <a:t> </a:t>
-            </a:r>
-            <a:r>
-              <a:rPr lang="en-US" dirty="0" err="1"/>
-              <a:t>grafu</a:t>
-            </a:r>
-            <a:r>
-              <a:rPr lang="en-US" dirty="0"/>
-              <a:t> (KG).</a:t>
-            </a:r>
-          </a:p>
-          <a:p>
-            <a:r>
-              <a:rPr lang="en-US" b="1" dirty="0" err="1"/>
+              <a:rPr lang="sk-SK" noProof="1"/>
+              <a:t>: Transformácia neštruktúrovaného textu do Znalostného grafu (KG).</a:t>
+            </a:r>
+          </a:p>
+          <a:p>
+            <a:r>
+              <a:rPr lang="sk-SK" b="1" noProof="1"/>
               <a:t>Metóda</a:t>
             </a:r>
             <a:r>
-              <a:rPr lang="en-US" dirty="0"/>
-              <a:t>: </a:t>
-            </a:r>
-            <a:r>
-              <a:rPr lang="en-US" dirty="0" err="1"/>
-              <a:t>Využitie</a:t>
-            </a:r>
-            <a:r>
-              <a:rPr lang="en-US" dirty="0"/>
-              <a:t> </a:t>
-            </a:r>
-            <a:r>
-              <a:rPr lang="en-US" dirty="0" err="1"/>
-              <a:t>GraphRAG</a:t>
-            </a:r>
-            <a:r>
-              <a:rPr lang="en-US" dirty="0"/>
-              <a:t> (Graph Retrieval-Augmented Generation) pre </a:t>
-            </a:r>
-            <a:r>
-              <a:rPr lang="en-US" dirty="0" err="1"/>
-              <a:t>presnejšie</a:t>
-            </a:r>
-            <a:r>
-              <a:rPr lang="en-US" dirty="0"/>
-              <a:t> </a:t>
-            </a:r>
-            <a:r>
-              <a:rPr lang="en-US" dirty="0" err="1"/>
-              <a:t>odpovede</a:t>
-            </a:r>
-            <a:r>
-              <a:rPr lang="en-US" dirty="0"/>
-              <a:t>.</a:t>
-            </a:r>
-          </a:p>
-          <a:p>
-            <a:r>
-              <a:rPr lang="en-US" b="1" dirty="0" err="1"/>
+              <a:rPr lang="sk-SK" noProof="1"/>
+              <a:t>: Využitie GraphRAG (Graph Retrieval-Augmented Generation) pre presnejšie odpovede.</a:t>
+            </a:r>
+          </a:p>
+          <a:p>
+            <a:r>
+              <a:rPr lang="sk-SK" b="1" noProof="1"/>
               <a:t>Cieľ</a:t>
             </a:r>
             <a:r>
-              <a:rPr lang="en-US" dirty="0"/>
-              <a:t>: </a:t>
-            </a:r>
-            <a:r>
-              <a:rPr lang="en-US" dirty="0" err="1"/>
-              <a:t>Systém</a:t>
-            </a:r>
-            <a:r>
-              <a:rPr lang="en-US" dirty="0"/>
-              <a:t> </a:t>
-            </a:r>
-            <a:r>
-              <a:rPr lang="en-US" dirty="0" err="1"/>
-              <a:t>na</a:t>
-            </a:r>
-            <a:r>
-              <a:rPr lang="en-US" dirty="0"/>
-              <a:t> </a:t>
-            </a:r>
-            <a:r>
-              <a:rPr lang="en-US" dirty="0" err="1"/>
-              <a:t>automatickú</a:t>
-            </a:r>
-            <a:r>
-              <a:rPr lang="en-US" dirty="0"/>
-              <a:t> </a:t>
-            </a:r>
-            <a:r>
-              <a:rPr lang="en-US" dirty="0" err="1"/>
-              <a:t>extrakciu</a:t>
-            </a:r>
-            <a:r>
-              <a:rPr lang="en-US" dirty="0"/>
-              <a:t>, </a:t>
-            </a:r>
-            <a:r>
-              <a:rPr lang="en-US" dirty="0" err="1"/>
-              <a:t>prepojenie</a:t>
-            </a:r>
-            <a:r>
-              <a:rPr lang="en-US" dirty="0"/>
-              <a:t> </a:t>
-            </a:r>
-            <a:r>
-              <a:rPr lang="en-US" dirty="0" err="1"/>
-              <a:t>entít</a:t>
-            </a:r>
-            <a:r>
-              <a:rPr lang="en-US" dirty="0"/>
-              <a:t> a </a:t>
-            </a:r>
-            <a:r>
-              <a:rPr lang="en-US" dirty="0" err="1"/>
-              <a:t>sémantické</a:t>
-            </a:r>
-            <a:r>
-              <a:rPr lang="en-US" dirty="0"/>
-              <a:t> </a:t>
-            </a:r>
-            <a:r>
-              <a:rPr lang="en-US" dirty="0" err="1"/>
-              <a:t>vyhľadávanie</a:t>
-            </a:r>
-            <a:r>
-              <a:rPr lang="en-US" dirty="0"/>
-              <a:t> v </a:t>
-            </a:r>
-            <a:r>
-              <a:rPr lang="en-US" dirty="0" err="1"/>
-              <a:t>legislatíve</a:t>
-            </a:r>
-            <a:r>
-              <a:rPr lang="en-US" dirty="0"/>
-              <a:t>.</a:t>
+              <a:rPr lang="sk-SK" noProof="1"/>
+              <a:t>: Systém na automatickú extrakciu, prepojenie entít a sémantické vyhľadávanie v legislatíve.</a:t>
             </a:r>
           </a:p>
           <a:p>
             <a:pPr marL="0" indent="0">
               <a:buNone/>
             </a:pPr>
-            <a:endParaRPr lang="en-US" dirty="0"/>
+            <a:endParaRPr lang="sk-SK" noProof="1"/>
           </a:p>
         </p:txBody>
       </p:sp>
@@ -4110,18 +4171,10 @@
           <a:lstStyle/>
           <a:p>
             <a:r>
-              <a:rPr lang="en-US" b="1" dirty="0" err="1"/>
-              <a:t>Systémový</a:t>
-            </a:r>
-            <a:r>
-              <a:rPr lang="en-US" b="1" dirty="0"/>
-              <a:t> </a:t>
-            </a:r>
-            <a:r>
-              <a:rPr lang="en-US" b="1" dirty="0" err="1"/>
-              <a:t>prehľad</a:t>
-            </a:r>
-            <a:endParaRPr lang="en-US" dirty="0"/>
+              <a:rPr lang="sk-SK" b="1" noProof="1"/>
+              <a:t>Systémový prehľad</a:t>
+            </a:r>
+            <a:endParaRPr lang="sk-SK" noProof="1"/>
           </a:p>
         </p:txBody>
       </p:sp>
@@ -4149,242 +4202,78 @@
           <a:lstStyle/>
           <a:p>
             <a:r>
-              <a:rPr lang="en-US" b="1" dirty="0"/>
+              <a:rPr lang="sk-SK" b="1" noProof="1"/>
               <a:t>Backend</a:t>
             </a:r>
             <a:r>
-              <a:rPr lang="en-US" dirty="0"/>
-              <a:t>: Python, </a:t>
-            </a:r>
-            <a:r>
-              <a:rPr lang="en-US" dirty="0" err="1"/>
-              <a:t>knižnica</a:t>
-            </a:r>
-            <a:r>
-              <a:rPr lang="en-US" dirty="0"/>
-              <a:t> </a:t>
-            </a:r>
-            <a:r>
-              <a:rPr lang="en-US" dirty="0" err="1"/>
-              <a:t>LangChain</a:t>
-            </a:r>
-            <a:r>
-              <a:rPr lang="en-US" dirty="0"/>
-              <a:t>.</a:t>
-            </a:r>
-          </a:p>
-          <a:p>
-            <a:r>
-              <a:rPr lang="en-US" b="1" dirty="0" err="1"/>
-              <a:t>Modely</a:t>
-            </a:r>
-            <a:r>
-              <a:rPr lang="en-US" b="1" dirty="0"/>
+              <a:rPr lang="sk-SK" noProof="1"/>
+              <a:t>: Python, knižnica LangChain.</a:t>
+            </a:r>
+          </a:p>
+          <a:p>
+            <a:r>
+              <a:rPr lang="sk-SK" b="1" noProof="1"/>
+              <a:t>Modely:</a:t>
+            </a:r>
+            <a:endParaRPr lang="sk-SK" noProof="1"/>
+          </a:p>
+          <a:p>
+            <a:pPr lvl="1"/>
+            <a:r>
+              <a:rPr lang="sk-SK" noProof="1"/>
+              <a:t>GPT-4o: Precízna extrakcia schémy a entít.</a:t>
+            </a:r>
+          </a:p>
+          <a:p>
+            <a:pPr lvl="1"/>
+            <a:r>
+              <a:rPr lang="sk-SK" noProof="1"/>
+              <a:t>Claude 3.5 Sonnet: Generovanie Cypher dopytov (kódovanie).</a:t>
+            </a:r>
+          </a:p>
+          <a:p>
+            <a:pPr lvl="1"/>
+            <a:r>
+              <a:rPr lang="sk-SK" noProof="1"/>
+              <a:t>Gemini 2 Flash: Klasifikácia a sumarizácia veľkého kontextu.</a:t>
+            </a:r>
+          </a:p>
+          <a:p>
+            <a:r>
+              <a:rPr lang="sk-SK" b="1" noProof="1"/>
+              <a:t>Databázy</a:t>
+            </a:r>
+            <a:r>
+              <a:rPr lang="sk-SK" noProof="1"/>
               <a:t>:</a:t>
             </a:r>
-            <a:endParaRPr lang="en-US" dirty="0"/>
           </a:p>
           <a:p>
             <a:pPr lvl="1"/>
             <a:r>
-              <a:rPr lang="en-US" dirty="0"/>
-              <a:t>GPT-4o: </a:t>
-            </a:r>
-            <a:r>
-              <a:rPr lang="en-US" dirty="0" err="1"/>
-              <a:t>Precízna</a:t>
-            </a:r>
-            <a:r>
-              <a:rPr lang="en-US" dirty="0"/>
-              <a:t> </a:t>
-            </a:r>
-            <a:r>
-              <a:rPr lang="en-US" dirty="0" err="1"/>
-              <a:t>extrakcia</a:t>
-            </a:r>
-            <a:r>
-              <a:rPr lang="en-US" dirty="0"/>
-              <a:t> </a:t>
-            </a:r>
-            <a:r>
-              <a:rPr lang="en-US" dirty="0" err="1"/>
-              <a:t>schémy</a:t>
-            </a:r>
-            <a:r>
-              <a:rPr lang="en-US" dirty="0"/>
-              <a:t> a </a:t>
-            </a:r>
-            <a:r>
-              <a:rPr lang="en-US" dirty="0" err="1"/>
-              <a:t>entít</a:t>
-            </a:r>
-            <a:r>
-              <a:rPr lang="en-US" dirty="0"/>
-              <a:t>.</a:t>
+              <a:rPr lang="sk-SK" noProof="1"/>
+              <a:t>Neo4j: Grafové úložisko vzťahov.</a:t>
             </a:r>
           </a:p>
           <a:p>
             <a:pPr lvl="1"/>
             <a:r>
-              <a:rPr lang="en-US" dirty="0"/>
-              <a:t>Claude 3.5 Sonnet: </a:t>
-            </a:r>
-            <a:r>
-              <a:rPr lang="en-US" dirty="0" err="1"/>
-              <a:t>Generovanie</a:t>
-            </a:r>
-            <a:r>
-              <a:rPr lang="en-US" dirty="0"/>
-              <a:t> Cypher </a:t>
-            </a:r>
-            <a:r>
-              <a:rPr lang="en-US" dirty="0" err="1"/>
-              <a:t>dopytov</a:t>
-            </a:r>
-            <a:r>
-              <a:rPr lang="en-US" dirty="0"/>
-              <a:t> (</a:t>
-            </a:r>
-            <a:r>
-              <a:rPr lang="en-US" dirty="0" err="1"/>
-              <a:t>kódovanie</a:t>
-            </a:r>
-            <a:r>
-              <a:rPr lang="en-US" dirty="0"/>
-              <a:t>).</a:t>
-            </a:r>
-          </a:p>
-          <a:p>
-            <a:pPr lvl="1"/>
-            <a:r>
-              <a:rPr lang="en-US" dirty="0"/>
-              <a:t>Gemini 1.5 Flash: </a:t>
-            </a:r>
-            <a:r>
-              <a:rPr lang="en-US" dirty="0" err="1"/>
-              <a:t>Klasifikácia</a:t>
-            </a:r>
-            <a:r>
-              <a:rPr lang="en-US" dirty="0"/>
-              <a:t> a </a:t>
-            </a:r>
-            <a:r>
-              <a:rPr lang="en-US" dirty="0" err="1"/>
-              <a:t>sumarizácia</a:t>
-            </a:r>
-            <a:r>
-              <a:rPr lang="en-US" dirty="0"/>
-              <a:t> </a:t>
-            </a:r>
-            <a:r>
-              <a:rPr lang="en-US" dirty="0" err="1"/>
-              <a:t>veľkého</a:t>
-            </a:r>
-            <a:r>
-              <a:rPr lang="en-US" dirty="0"/>
-              <a:t> </a:t>
-            </a:r>
-            <a:r>
-              <a:rPr lang="en-US" dirty="0" err="1"/>
-              <a:t>kontextu</a:t>
-            </a:r>
-            <a:r>
-              <a:rPr lang="en-US" dirty="0"/>
-              <a:t>.</a:t>
-            </a:r>
-          </a:p>
-          <a:p>
-            <a:r>
-              <a:rPr lang="en-US" b="1" dirty="0" err="1"/>
-              <a:t>Databázy</a:t>
-            </a:r>
-            <a:r>
-              <a:rPr lang="en-US" dirty="0"/>
-              <a:t>:</a:t>
-            </a:r>
-          </a:p>
-          <a:p>
-            <a:pPr lvl="1"/>
-            <a:r>
-              <a:rPr lang="en-US" dirty="0"/>
-              <a:t>Neo4j: </a:t>
-            </a:r>
-            <a:r>
-              <a:rPr lang="en-US" dirty="0" err="1"/>
-              <a:t>Grafové</a:t>
-            </a:r>
-            <a:r>
-              <a:rPr lang="en-US" dirty="0"/>
-              <a:t> </a:t>
-            </a:r>
-            <a:r>
-              <a:rPr lang="en-US" dirty="0" err="1"/>
-              <a:t>úložisko</a:t>
-            </a:r>
-            <a:r>
-              <a:rPr lang="en-US" dirty="0"/>
-              <a:t> </a:t>
-            </a:r>
-            <a:r>
-              <a:rPr lang="en-US" dirty="0" err="1"/>
-              <a:t>vzťahov</a:t>
-            </a:r>
-            <a:r>
-              <a:rPr lang="en-US" dirty="0"/>
-              <a:t>.</a:t>
-            </a:r>
-          </a:p>
-          <a:p>
-            <a:pPr lvl="1"/>
-            <a:r>
-              <a:rPr lang="en-US" dirty="0"/>
-              <a:t>Neo4jVector: </a:t>
-            </a:r>
-            <a:r>
-              <a:rPr lang="en-US" dirty="0" err="1"/>
-              <a:t>Vektorové</a:t>
-            </a:r>
-            <a:r>
-              <a:rPr lang="en-US" dirty="0"/>
-              <a:t> </a:t>
-            </a:r>
-            <a:r>
-              <a:rPr lang="en-US" dirty="0" err="1"/>
-              <a:t>embeddingy</a:t>
-            </a:r>
-            <a:r>
-              <a:rPr lang="en-US" dirty="0"/>
-              <a:t> pre </a:t>
-            </a:r>
-            <a:r>
-              <a:rPr lang="en-US" dirty="0" err="1"/>
-              <a:t>sémantickú</a:t>
-            </a:r>
-            <a:r>
-              <a:rPr lang="en-US" dirty="0"/>
-              <a:t> </a:t>
-            </a:r>
-            <a:r>
-              <a:rPr lang="en-US" dirty="0" err="1"/>
-              <a:t>podobnosť</a:t>
-            </a:r>
-            <a:r>
-              <a:rPr lang="en-US" dirty="0"/>
-              <a:t>.</a:t>
-            </a:r>
-          </a:p>
-          <a:p>
-            <a:r>
-              <a:rPr lang="en-US" b="1" dirty="0" err="1"/>
+              <a:rPr lang="sk-SK" noProof="1"/>
+              <a:t>Neo4jVector: Vektorové embeddingy pre sémantickú podobnosť.</a:t>
+            </a:r>
+          </a:p>
+          <a:p>
+            <a:r>
+              <a:rPr lang="sk-SK" b="1" noProof="1"/>
               <a:t>Embeddingy</a:t>
             </a:r>
             <a:r>
-              <a:rPr lang="en-US" dirty="0"/>
+              <a:rPr lang="sk-SK" noProof="1"/>
               <a:t>: text-embedding-3-large (OpenAI).</a:t>
             </a:r>
           </a:p>
           <a:p>
-            <a:endParaRPr lang="en-US" dirty="0"/>
+            <a:endParaRPr lang="sk-SK" noProof="1"/>
           </a:p>
         </p:txBody>
       </p:sp>
@@ -4440,22 +4329,10 @@
           <a:lstStyle/>
           <a:p>
             <a:r>
-              <a:rPr lang="en-US" b="1" dirty="0" err="1"/>
-              <a:t>Spracovanie</a:t>
-            </a:r>
-            <a:r>
-              <a:rPr lang="en-US" b="1" dirty="0"/>
-              <a:t> </a:t>
-            </a:r>
-            <a:r>
-              <a:rPr lang="en-US" b="1" dirty="0" err="1"/>
-              <a:t>dokumentu</a:t>
-            </a:r>
-            <a:r>
-              <a:rPr lang="en-US" b="1" dirty="0"/>
-              <a:t> I.</a:t>
-            </a:r>
-            <a:endParaRPr lang="en-US" dirty="0"/>
+              <a:rPr lang="sk-SK" b="1" noProof="1"/>
+              <a:t>Spracovanie dokumentu I.</a:t>
+            </a:r>
+            <a:endParaRPr lang="sk-SK" noProof="1"/>
           </a:p>
         </p:txBody>
       </p:sp>
@@ -4483,194 +4360,146 @@
           <a:lstStyle/>
           <a:p>
             <a:r>
-              <a:rPr lang="en-US" b="1" dirty="0" err="1"/>
+              <a:rPr lang="sk-SK" b="1" noProof="1"/>
               <a:t>Klasifikácia</a:t>
             </a:r>
             <a:r>
-              <a:rPr lang="en-US" dirty="0"/>
-              <a:t> (Gemini): </a:t>
-            </a:r>
-            <a:r>
-              <a:rPr lang="en-US" dirty="0" err="1"/>
-              <a:t>Automatické</a:t>
-            </a:r>
-            <a:r>
-              <a:rPr lang="en-US" dirty="0"/>
-              <a:t> </a:t>
-            </a:r>
-            <a:r>
-              <a:rPr lang="en-US" dirty="0" err="1"/>
-              <a:t>určenie</a:t>
-            </a:r>
-            <a:r>
-              <a:rPr lang="en-US" dirty="0"/>
-              <a:t> </a:t>
-            </a:r>
-            <a:r>
-              <a:rPr lang="en-US" dirty="0" err="1"/>
-              <a:t>kategórie</a:t>
-            </a:r>
-            <a:r>
-              <a:rPr lang="en-US" dirty="0"/>
-              <a:t> (</a:t>
-            </a:r>
-            <a:r>
-              <a:rPr lang="en-US" dirty="0" err="1"/>
-              <a:t>zmluva</a:t>
-            </a:r>
-            <a:r>
-              <a:rPr lang="en-US" dirty="0"/>
-              <a:t>, </a:t>
-            </a:r>
-            <a:r>
-              <a:rPr lang="en-US" dirty="0" err="1"/>
-              <a:t>zákon</a:t>
-            </a:r>
-            <a:r>
-              <a:rPr lang="en-US" dirty="0"/>
-              <a:t>) a </a:t>
-            </a:r>
-            <a:r>
-              <a:rPr lang="en-US" dirty="0" err="1"/>
-              <a:t>právneho</a:t>
-            </a:r>
-            <a:r>
-              <a:rPr lang="en-US" dirty="0"/>
-              <a:t> </a:t>
-            </a:r>
-            <a:r>
-              <a:rPr lang="en-US" dirty="0" err="1"/>
-              <a:t>odvetvia</a:t>
-            </a:r>
-            <a:r>
-              <a:rPr lang="en-US" dirty="0"/>
-              <a:t> s </a:t>
-            </a:r>
-            <a:r>
-              <a:rPr lang="en-US" dirty="0" err="1"/>
-              <a:t>percentuálnou</a:t>
-            </a:r>
-            <a:r>
-              <a:rPr lang="en-US" dirty="0"/>
-              <a:t> </a:t>
-            </a:r>
-            <a:r>
-              <a:rPr lang="en-US" dirty="0" err="1"/>
-              <a:t>istotou</a:t>
-            </a:r>
-            <a:r>
-              <a:rPr lang="en-US" dirty="0"/>
+              <a:rPr lang="sk-SK" noProof="1"/>
+              <a:t> (Gemini): Automatické určenie kategórie (zmluva, zákon) a právneho odvetvia s percentuálnou istotou.</a:t>
+            </a:r>
+          </a:p>
+          <a:p>
+            <a:r>
+              <a:rPr lang="sk-SK" b="1" noProof="1"/>
+              <a:t>Segmentácia</a:t>
+            </a:r>
+            <a:r>
+              <a:rPr lang="sk-SK" noProof="1"/>
+              <a:t> (Chunking):</a:t>
+            </a:r>
+          </a:p>
+          <a:p>
+            <a:pPr lvl="1"/>
+            <a:r>
+              <a:rPr lang="sk-SK" noProof="1"/>
+              <a:t>Využitie RecursiveCharacterTextSplitter.</a:t>
+            </a:r>
+          </a:p>
+          <a:p>
+            <a:pPr lvl="1"/>
+            <a:r>
+              <a:rPr lang="sk-SK" noProof="1"/>
+              <a:t>Veľkosť: 1024 – 1200 tokenov s prekrývaním (overlap) 128 – 200 tokenov.</a:t>
+            </a:r>
+          </a:p>
+          <a:p>
+            <a:r>
+              <a:rPr lang="sk-SK" b="1" noProof="1"/>
+              <a:t>Štruktúra</a:t>
+            </a:r>
+            <a:r>
+              <a:rPr lang="sk-SK" noProof="1"/>
+              <a:t>: Prepojenie dokumentov s chunkmi cez vzťah </a:t>
+            </a:r>
+            <a:r>
+              <a:rPr lang="sk-SK" noProof="1">
+                <a:latin typeface="CMU Typewriter Text Light" panose="02000309000000000000" pitchFamily="49" charset="0"/>
+                <a:ea typeface="CMU Typewriter Text Light" panose="02000309000000000000" pitchFamily="49" charset="0"/>
+                <a:cs typeface="CMU Typewriter Text Light" panose="02000309000000000000" pitchFamily="49" charset="0"/>
+              </a:rPr>
+              <a:t>IN_DOCUMENT</a:t>
+            </a:r>
+            <a:r>
+              <a:rPr lang="sk-SK" noProof="1"/>
               <a:t>.</a:t>
             </a:r>
           </a:p>
           <a:p>
-            <a:r>
-              <a:rPr lang="en-US" b="1" dirty="0" err="1"/>
-              <a:t>Segmentácia</a:t>
-            </a:r>
-            <a:r>
-              <a:rPr lang="en-US" dirty="0"/>
-              <a:t> (Chunking):</a:t>
-            </a:r>
-          </a:p>
-          <a:p>
-            <a:pPr lvl="1"/>
-            <a:r>
-              <a:rPr lang="en-US" dirty="0" err="1"/>
-              <a:t>Využitie</a:t>
-            </a:r>
-            <a:r>
-              <a:rPr lang="en-US" dirty="0"/>
-              <a:t> </a:t>
-            </a:r>
-            <a:r>
-              <a:rPr lang="en-US" dirty="0" err="1"/>
-              <a:t>RecursiveCharacterTextSplitter</a:t>
-            </a:r>
-            <a:r>
-              <a:rPr lang="en-US" dirty="0"/>
-              <a:t>.</a:t>
-            </a:r>
-          </a:p>
-          <a:p>
-            <a:pPr lvl="1"/>
-            <a:r>
-              <a:rPr lang="en-US" dirty="0" err="1"/>
-              <a:t>Veľkosť</a:t>
-            </a:r>
-            <a:r>
-              <a:rPr lang="en-US" dirty="0"/>
-              <a:t>: 1024 – 1200 </a:t>
-            </a:r>
-            <a:r>
-              <a:rPr lang="en-US" dirty="0" err="1"/>
-              <a:t>tokenov</a:t>
-            </a:r>
-            <a:r>
-              <a:rPr lang="en-US" dirty="0"/>
-              <a:t> s </a:t>
-            </a:r>
-            <a:r>
-              <a:rPr lang="en-US" dirty="0" err="1"/>
-              <a:t>prekrývaním</a:t>
-            </a:r>
-            <a:r>
-              <a:rPr lang="en-US" dirty="0"/>
-              <a:t> (overlap).</a:t>
-            </a:r>
-          </a:p>
-          <a:p>
-            <a:r>
-              <a:rPr lang="en-US" b="1" dirty="0" err="1"/>
-              <a:t>Štruktúra</a:t>
-            </a:r>
-            <a:r>
-              <a:rPr lang="en-US" dirty="0"/>
-              <a:t>: </a:t>
-            </a:r>
-            <a:r>
-              <a:rPr lang="en-US" dirty="0" err="1"/>
-              <a:t>Prepojenie</a:t>
-            </a:r>
-            <a:r>
-              <a:rPr lang="en-US" dirty="0"/>
-              <a:t> </a:t>
-            </a:r>
-            <a:r>
-              <a:rPr lang="en-US" dirty="0" err="1"/>
-              <a:t>dokumentov</a:t>
-            </a:r>
-            <a:r>
-              <a:rPr lang="en-US" dirty="0"/>
-              <a:t> s </a:t>
-            </a:r>
-            <a:r>
-              <a:rPr lang="en-US" dirty="0" err="1"/>
-              <a:t>chunkmi</a:t>
-            </a:r>
-            <a:r>
-              <a:rPr lang="en-US" dirty="0"/>
-              <a:t> </a:t>
-            </a:r>
-            <a:r>
-              <a:rPr lang="en-US" dirty="0" err="1"/>
-              <a:t>cez</a:t>
-            </a:r>
-            <a:r>
-              <a:rPr lang="en-US" dirty="0"/>
-              <a:t> </a:t>
-            </a:r>
-            <a:r>
-              <a:rPr lang="en-US" dirty="0" err="1"/>
-              <a:t>vzťah</a:t>
-            </a:r>
-            <a:r>
-              <a:rPr lang="en-US" dirty="0"/>
-              <a:t> IN_DOCUMENT.</a:t>
-            </a:r>
-          </a:p>
-          <a:p>
-            <a:endParaRPr lang="en-US" dirty="0"/>
+            <a:endParaRPr lang="sk-SK" noProof="1"/>
+          </a:p>
+        </p:txBody>
+      </p:sp>
+      <p:pic>
+        <p:nvPicPr>
+          <p:cNvPr id="6" name="Picture 5">
+            <a:extLst>
+              <a:ext uri="{FF2B5EF4-FFF2-40B4-BE49-F238E27FC236}">
+                <a16:creationId xmlns:a16="http://schemas.microsoft.com/office/drawing/2014/main" id="{B89CF11C-E360-CB23-49AE-7DCECFD5604E}"/>
+              </a:ext>
+            </a:extLst>
+          </p:cNvPr>
+          <p:cNvPicPr>
+            <a:picLocks noChangeAspect="1"/>
+          </p:cNvPicPr>
+          <p:nvPr/>
+        </p:nvPicPr>
+        <p:blipFill>
+          <a:blip r:embed="rId2"/>
+          <a:stretch>
+            <a:fillRect/>
+          </a:stretch>
+        </p:blipFill>
+        <p:spPr>
+          <a:xfrm>
+            <a:off x="2209800" y="4631837"/>
+            <a:ext cx="7772400" cy="995776"/>
+          </a:xfrm>
+          <a:prstGeom prst="rect">
+            <a:avLst/>
+          </a:prstGeom>
+        </p:spPr>
+      </p:pic>
+      <p:sp>
+        <p:nvSpPr>
+          <p:cNvPr id="5" name="Rectangle 4">
+            <a:extLst>
+              <a:ext uri="{FF2B5EF4-FFF2-40B4-BE49-F238E27FC236}">
+                <a16:creationId xmlns:a16="http://schemas.microsoft.com/office/drawing/2014/main" id="{2C6F9A65-908B-3E9E-195A-D7C4D0DE81E7}"/>
+              </a:ext>
+            </a:extLst>
+          </p:cNvPr>
+          <p:cNvSpPr/>
+          <p:nvPr/>
+        </p:nvSpPr>
+        <p:spPr>
+          <a:xfrm>
+            <a:off x="5205185" y="4496900"/>
+            <a:ext cx="5328744" cy="1054182"/>
+          </a:xfrm>
+          <a:prstGeom prst="rect">
+            <a:avLst/>
+          </a:prstGeom>
+          <a:solidFill>
+            <a:srgbClr val="FFFFFF">
+              <a:alpha val="74902"/>
+            </a:srgbClr>
+          </a:solidFill>
+          <a:ln>
+            <a:noFill/>
+          </a:ln>
+        </p:spPr>
+        <p:style>
+          <a:lnRef idx="2">
+            <a:schemeClr val="accent1">
+              <a:shade val="15000"/>
+            </a:schemeClr>
+          </a:lnRef>
+          <a:fillRef idx="1">
+            <a:schemeClr val="accent1"/>
+          </a:fillRef>
+          <a:effectRef idx="0">
+            <a:schemeClr val="accent1"/>
+          </a:effectRef>
+          <a:fontRef idx="minor">
+            <a:schemeClr val="lt1"/>
+          </a:fontRef>
+        </p:style>
+        <p:txBody>
+          <a:bodyPr rtlCol="0" anchor="ctr"/>
+          <a:lstStyle/>
+          <a:p>
+            <a:pPr algn="ctr"/>
+            <a:endParaRPr lang="sk-SK" noProof="1"/>
           </a:p>
         </p:txBody>
       </p:sp>
@@ -4726,22 +4555,10 @@
           <a:lstStyle/>
           <a:p>
             <a:r>
-              <a:rPr lang="en-US" b="1" dirty="0" err="1"/>
-              <a:t>Spracovanie</a:t>
-            </a:r>
-            <a:r>
-              <a:rPr lang="en-US" b="1" dirty="0"/>
-              <a:t> </a:t>
-            </a:r>
-            <a:r>
-              <a:rPr lang="en-US" b="1" dirty="0" err="1"/>
-              <a:t>dokumentu</a:t>
-            </a:r>
-            <a:r>
-              <a:rPr lang="en-US" b="1" dirty="0"/>
-              <a:t> II.</a:t>
-            </a:r>
-            <a:endParaRPr lang="en-US" dirty="0"/>
+              <a:rPr lang="sk-SK" b="1" noProof="1"/>
+              <a:t>Spracovanie dokumentu II.</a:t>
+            </a:r>
+            <a:endParaRPr lang="sk-SK" noProof="1"/>
           </a:p>
         </p:txBody>
       </p:sp>
@@ -4769,50 +4586,18 @@
           <a:lstStyle/>
           <a:p>
             <a:r>
-              <a:rPr lang="en-US" b="1" dirty="0" err="1"/>
+              <a:rPr lang="sk-SK" b="1" noProof="1"/>
               <a:t>Metóda</a:t>
             </a:r>
             <a:r>
-              <a:rPr lang="en-US" dirty="0"/>
-              <a:t>: </a:t>
-            </a:r>
-            <a:r>
-              <a:rPr lang="en-US" dirty="0" err="1"/>
-              <a:t>Inšpirácia</a:t>
-            </a:r>
-            <a:r>
-              <a:rPr lang="en-US" dirty="0"/>
-              <a:t> </a:t>
-            </a:r>
-            <a:r>
-              <a:rPr lang="en-US" dirty="0" err="1"/>
-              <a:t>štúdiou</a:t>
-            </a:r>
-            <a:r>
-              <a:rPr lang="en-US" dirty="0"/>
-              <a:t> Apple (Ontology-Guided Open-Domain Extraction).</a:t>
-            </a:r>
-          </a:p>
-          <a:p>
-            <a:r>
-              <a:rPr lang="en-US" dirty="0"/>
-              <a:t>Tri </a:t>
-            </a:r>
-            <a:r>
-              <a:rPr lang="en-US" dirty="0" err="1"/>
-              <a:t>kroky</a:t>
-            </a:r>
-            <a:r>
-              <a:rPr lang="en-US" dirty="0"/>
-              <a:t> </a:t>
-            </a:r>
-            <a:r>
-              <a:rPr lang="en-US" dirty="0" err="1"/>
-              <a:t>extrakcie</a:t>
-            </a:r>
-            <a:r>
-              <a:rPr lang="en-US" dirty="0"/>
-              <a:t>:</a:t>
+              <a:rPr lang="sk-SK" noProof="1"/>
+              <a:t>: Inšpirácia štúdiou Apple (Ontology-Guided Open-Domain Knowledge Extraction with LLMs).</a:t>
+            </a:r>
+          </a:p>
+          <a:p>
+            <a:r>
+              <a:rPr lang="sk-SK" noProof="1"/>
+              <a:t>Tri kroky extrakcie:</a:t>
             </a:r>
           </a:p>
           <a:p>
@@ -4821,76 +4606,8 @@
               <a:buAutoNum type="arabicPeriod"/>
             </a:pPr>
             <a:r>
-              <a:rPr lang="en-US" dirty="0" err="1"/>
-              <a:t>Otvorená</a:t>
-            </a:r>
-            <a:r>
-              <a:rPr lang="en-US" dirty="0"/>
-              <a:t> </a:t>
-            </a:r>
-            <a:r>
-              <a:rPr lang="en-US" dirty="0" err="1"/>
-              <a:t>detekcia</a:t>
-            </a:r>
-            <a:r>
-              <a:rPr lang="en-US" dirty="0"/>
-              <a:t> (GPT-4o): </a:t>
-            </a:r>
-            <a:r>
-              <a:rPr lang="en-US" dirty="0" err="1"/>
-              <a:t>Paralelné</a:t>
-            </a:r>
-            <a:r>
-              <a:rPr lang="en-US" dirty="0"/>
-              <a:t> </a:t>
-            </a:r>
-            <a:r>
-              <a:rPr lang="en-US" dirty="0" err="1"/>
-              <a:t>hľadanie</a:t>
-            </a:r>
-            <a:r>
-              <a:rPr lang="en-US" dirty="0"/>
-              <a:t> </a:t>
-            </a:r>
-            <a:r>
-              <a:rPr lang="en-US" dirty="0" err="1"/>
-              <a:t>všetkých</a:t>
-            </a:r>
-            <a:r>
-              <a:rPr lang="en-US" dirty="0"/>
-              <a:t> </a:t>
-            </a:r>
-            <a:r>
-              <a:rPr lang="en-US" dirty="0" err="1"/>
-              <a:t>entít</a:t>
-            </a:r>
-            <a:r>
-              <a:rPr lang="en-US" dirty="0"/>
-              <a:t>/</a:t>
-            </a:r>
-            <a:r>
-              <a:rPr lang="en-US" dirty="0" err="1"/>
-              <a:t>vzťahov</a:t>
-            </a:r>
-            <a:r>
-              <a:rPr lang="en-US" dirty="0"/>
-              <a:t> (</a:t>
-            </a:r>
-            <a:r>
-              <a:rPr lang="en-US" dirty="0" err="1"/>
-              <a:t>bohatosť</a:t>
-            </a:r>
-            <a:r>
-              <a:rPr lang="en-US" dirty="0"/>
-              <a:t> </a:t>
-            </a:r>
-            <a:r>
-              <a:rPr lang="en-US" dirty="0" err="1"/>
-              <a:t>dát</a:t>
-            </a:r>
-            <a:r>
-              <a:rPr lang="en-US" dirty="0"/>
-              <a:t>).</a:t>
+              <a:rPr lang="sk-SK" noProof="1"/>
+              <a:t>Otvorená detekcia (GPT-4o): Paralelné hľadanie všetkých entít/vzťahov (bohatosť dát).</a:t>
             </a:r>
           </a:p>
           <a:p>
@@ -4899,76 +4616,8 @@
               <a:buAutoNum type="arabicPeriod"/>
             </a:pPr>
             <a:r>
-              <a:rPr lang="en-US" dirty="0" err="1"/>
-              <a:t>Úprava</a:t>
-            </a:r>
-            <a:r>
-              <a:rPr lang="en-US" dirty="0"/>
-              <a:t> </a:t>
-            </a:r>
-            <a:r>
-              <a:rPr lang="en-US" dirty="0" err="1"/>
-              <a:t>ontológie</a:t>
-            </a:r>
-            <a:r>
-              <a:rPr lang="en-US" dirty="0"/>
-              <a:t> (Gemini): </a:t>
-            </a:r>
-            <a:r>
-              <a:rPr lang="en-US" dirty="0" err="1"/>
-              <a:t>Mapovanie</a:t>
-            </a:r>
-            <a:r>
-              <a:rPr lang="en-US" dirty="0"/>
-              <a:t> </a:t>
-            </a:r>
-            <a:r>
-              <a:rPr lang="en-US" dirty="0" err="1"/>
-              <a:t>na</a:t>
-            </a:r>
-            <a:r>
-              <a:rPr lang="en-US" dirty="0"/>
-              <a:t> </a:t>
-            </a:r>
-            <a:r>
-              <a:rPr lang="en-US" dirty="0" err="1"/>
-              <a:t>preddefinované</a:t>
-            </a:r>
-            <a:r>
-              <a:rPr lang="en-US" dirty="0"/>
-              <a:t> </a:t>
-            </a:r>
-            <a:r>
-              <a:rPr lang="en-US" dirty="0" err="1"/>
-              <a:t>právne</a:t>
-            </a:r>
-            <a:r>
-              <a:rPr lang="en-US" dirty="0"/>
-              <a:t> entity (</a:t>
-            </a:r>
-            <a:r>
-              <a:rPr lang="en-US" dirty="0" err="1"/>
-              <a:t>konzistencia</a:t>
-            </a:r>
-            <a:r>
-              <a:rPr lang="en-US" dirty="0"/>
-              <a:t>, </a:t>
-            </a:r>
-            <a:r>
-              <a:rPr lang="en-US" dirty="0" err="1"/>
-              <a:t>eliminácia</a:t>
-            </a:r>
-            <a:r>
-              <a:rPr lang="en-US" dirty="0"/>
-              <a:t> </a:t>
-            </a:r>
-            <a:r>
-              <a:rPr lang="en-US" dirty="0" err="1"/>
-              <a:t>duplicít</a:t>
-            </a:r>
-            <a:r>
-              <a:rPr lang="en-US" dirty="0"/>
-              <a:t>).</a:t>
+              <a:rPr lang="sk-SK" noProof="1"/>
+              <a:t>Úprava ontológie (Gemini): Mapovanie na preddefinované právne entity (konzistencia, eliminácia duplicít).</a:t>
             </a:r>
           </a:p>
           <a:p>
@@ -4977,106 +4626,136 @@
               <a:buAutoNum type="arabicPeriod"/>
             </a:pPr>
             <a:r>
-              <a:rPr lang="en-US" dirty="0" err="1"/>
-              <a:t>Schémov-riadená</a:t>
-            </a:r>
-            <a:r>
-              <a:rPr lang="en-US" dirty="0"/>
-              <a:t> </a:t>
-            </a:r>
-            <a:r>
-              <a:rPr lang="en-US" dirty="0" err="1"/>
-              <a:t>extrakcia</a:t>
-            </a:r>
-            <a:r>
-              <a:rPr lang="en-US" dirty="0"/>
-              <a:t>: </a:t>
-            </a:r>
-            <a:r>
-              <a:rPr lang="en-US" dirty="0" err="1"/>
-              <a:t>Finálne</a:t>
-            </a:r>
-            <a:r>
-              <a:rPr lang="en-US" dirty="0"/>
-              <a:t> </a:t>
-            </a:r>
-            <a:r>
-              <a:rPr lang="en-US" dirty="0" err="1"/>
-              <a:t>vloženie</a:t>
-            </a:r>
-            <a:r>
-              <a:rPr lang="en-US" dirty="0"/>
-              <a:t> </a:t>
-            </a:r>
-            <a:r>
-              <a:rPr lang="en-US" dirty="0" err="1"/>
-              <a:t>dát</a:t>
-            </a:r>
-            <a:r>
-              <a:rPr lang="en-US" dirty="0"/>
-              <a:t> </a:t>
-            </a:r>
-            <a:r>
-              <a:rPr lang="en-US" dirty="0" err="1"/>
-              <a:t>podľa</a:t>
-            </a:r>
-            <a:r>
-              <a:rPr lang="en-US" dirty="0"/>
-              <a:t> </a:t>
-            </a:r>
-            <a:r>
-              <a:rPr lang="en-US" dirty="0" err="1"/>
-              <a:t>očistenej</a:t>
-            </a:r>
-            <a:r>
-              <a:rPr lang="en-US" dirty="0"/>
-              <a:t> </a:t>
-            </a:r>
-            <a:r>
-              <a:rPr lang="en-US" dirty="0" err="1"/>
-              <a:t>schémy</a:t>
-            </a:r>
-            <a:r>
-              <a:rPr lang="en-US" dirty="0"/>
-              <a:t>.</a:t>
-            </a:r>
-          </a:p>
-          <a:p>
-            <a:r>
-              <a:rPr lang="en-US" b="1" dirty="0" err="1"/>
+              <a:rPr lang="sk-SK" noProof="1"/>
+              <a:t>Schémov-riadená extrakcia: Extrakcia dát podľa očistenej schémy.</a:t>
+            </a:r>
+          </a:p>
+          <a:p>
+            <a:r>
+              <a:rPr lang="sk-SK" b="1" noProof="1"/>
               <a:t>Výsledok</a:t>
             </a:r>
             <a:r>
-              <a:rPr lang="en-US" dirty="0"/>
-              <a:t>: </a:t>
-            </a:r>
-            <a:r>
-              <a:rPr lang="en-US" dirty="0" err="1"/>
-              <a:t>Presnosť</a:t>
-            </a:r>
-            <a:r>
-              <a:rPr lang="en-US" dirty="0"/>
-              <a:t> </a:t>
-            </a:r>
-            <a:r>
-              <a:rPr lang="en-US" dirty="0" err="1"/>
-              <a:t>extrakcie</a:t>
-            </a:r>
-            <a:r>
-              <a:rPr lang="en-US" dirty="0"/>
-              <a:t> </a:t>
-            </a:r>
-            <a:r>
-              <a:rPr lang="en-US" dirty="0" err="1"/>
-              <a:t>až</a:t>
-            </a:r>
-            <a:r>
-              <a:rPr lang="en-US" dirty="0"/>
-              <a:t> 98,8 %.</a:t>
-            </a:r>
-          </a:p>
-        </p:txBody>
-      </p:sp>
+              <a:rPr lang="sk-SK" noProof="1"/>
+              <a:t>: Presnosť extrakcie až 98,8 %.</a:t>
+            </a:r>
+          </a:p>
+        </p:txBody>
+      </p:sp>
+      <p:pic>
+        <p:nvPicPr>
+          <p:cNvPr id="4" name="Picture 3">
+            <a:extLst>
+              <a:ext uri="{FF2B5EF4-FFF2-40B4-BE49-F238E27FC236}">
+                <a16:creationId xmlns:a16="http://schemas.microsoft.com/office/drawing/2014/main" id="{A332531D-75EF-714F-BE4B-3C619C58D4D0}"/>
+              </a:ext>
+            </a:extLst>
+          </p:cNvPr>
+          <p:cNvPicPr>
+            <a:picLocks noChangeAspect="1"/>
+          </p:cNvPicPr>
+          <p:nvPr/>
+        </p:nvPicPr>
+        <p:blipFill>
+          <a:blip r:embed="rId2"/>
+          <a:stretch>
+            <a:fillRect/>
+          </a:stretch>
+        </p:blipFill>
+        <p:spPr>
+          <a:xfrm>
+            <a:off x="2209800" y="4631837"/>
+            <a:ext cx="7772400" cy="995776"/>
+          </a:xfrm>
+          <a:prstGeom prst="rect">
+            <a:avLst/>
+          </a:prstGeom>
+        </p:spPr>
+      </p:pic>
+      <p:sp>
+        <p:nvSpPr>
+          <p:cNvPr id="5" name="Rectangle 4">
+            <a:extLst>
+              <a:ext uri="{FF2B5EF4-FFF2-40B4-BE49-F238E27FC236}">
+                <a16:creationId xmlns:a16="http://schemas.microsoft.com/office/drawing/2014/main" id="{040E7090-01B7-35AA-857E-70FC45C805FA}"/>
+              </a:ext>
+            </a:extLst>
+          </p:cNvPr>
+          <p:cNvSpPr/>
+          <p:nvPr/>
+        </p:nvSpPr>
+        <p:spPr>
+          <a:xfrm>
+            <a:off x="2230820" y="4496900"/>
+            <a:ext cx="2975518" cy="1054182"/>
+          </a:xfrm>
+          <a:prstGeom prst="rect">
+            <a:avLst/>
+          </a:prstGeom>
+          <a:solidFill>
+            <a:srgbClr val="FFFFFF">
+              <a:alpha val="74902"/>
+            </a:srgbClr>
+          </a:solidFill>
+          <a:ln>
+            <a:noFill/>
+          </a:ln>
+        </p:spPr>
+        <p:style>
+          <a:lnRef idx="2">
+            <a:schemeClr val="accent1">
+              <a:shade val="15000"/>
+            </a:schemeClr>
+          </a:lnRef>
+          <a:fillRef idx="1">
+            <a:schemeClr val="accent1"/>
+          </a:fillRef>
+          <a:effectRef idx="0">
+            <a:schemeClr val="accent1"/>
+          </a:effectRef>
+          <a:fontRef idx="minor">
+            <a:schemeClr val="lt1"/>
+          </a:fontRef>
+        </p:style>
+        <p:txBody>
+          <a:bodyPr rtlCol="0" anchor="ctr"/>
+          <a:lstStyle/>
+          <a:p>
+            <a:pPr algn="ctr"/>
+            <a:endParaRPr lang="sk-SK" noProof="1"/>
+          </a:p>
+        </p:txBody>
+      </p:sp>
+      <p:pic>
+        <p:nvPicPr>
+          <p:cNvPr id="6" name="Picture 5">
+            <a:extLst>
+              <a:ext uri="{FF2B5EF4-FFF2-40B4-BE49-F238E27FC236}">
+                <a16:creationId xmlns:a16="http://schemas.microsoft.com/office/drawing/2014/main" id="{FD4E3D87-6C02-7C54-D140-C98AA65177BA}"/>
+              </a:ext>
+            </a:extLst>
+          </p:cNvPr>
+          <p:cNvPicPr>
+            <a:picLocks noChangeAspect="1"/>
+          </p:cNvPicPr>
+          <p:nvPr/>
+        </p:nvPicPr>
+        <p:blipFill>
+          <a:blip r:embed="rId3"/>
+          <a:stretch>
+            <a:fillRect/>
+          </a:stretch>
+        </p:blipFill>
+        <p:spPr>
+          <a:xfrm>
+            <a:off x="2209800" y="5646646"/>
+            <a:ext cx="7772400" cy="862956"/>
+          </a:xfrm>
+          <a:prstGeom prst="rect">
+            <a:avLst/>
+          </a:prstGeom>
+        </p:spPr>
+      </p:pic>
     </p:spTree>
     <p:extLst>
       <p:ext uri="{BB962C8B-B14F-4D97-AF65-F5344CB8AC3E}">
@@ -5107,328 +4786,40 @@
           <a:chExt cx="0" cy="0"/>
         </a:xfrm>
       </p:grpSpPr>
-      <p:sp>
-        <p:nvSpPr>
-          <p:cNvPr id="2" name="Title 1">
-            <a:extLst>
-              <a:ext uri="{FF2B5EF4-FFF2-40B4-BE49-F238E27FC236}">
-                <a16:creationId xmlns:a16="http://schemas.microsoft.com/office/drawing/2014/main" id="{7404EE40-F9F3-5423-B76A-ADE78BFE0046}"/>
-              </a:ext>
-            </a:extLst>
-          </p:cNvPr>
-          <p:cNvSpPr>
-            <a:spLocks noGrp="1"/>
-          </p:cNvSpPr>
-          <p:nvPr>
-            <p:ph type="title"/>
-          </p:nvPr>
-        </p:nvSpPr>
-        <p:spPr/>
-        <p:txBody>
-          <a:bodyPr/>
-          <a:lstStyle/>
-          <a:p>
-            <a:r>
-              <a:rPr lang="en-US" b="1" dirty="0" err="1"/>
-              <a:t>Hybridný</a:t>
-            </a:r>
-            <a:r>
-              <a:rPr lang="en-US" b="1" dirty="0"/>
-              <a:t> </a:t>
-            </a:r>
-            <a:r>
-              <a:rPr lang="en-US" b="1" dirty="0" err="1"/>
-              <a:t>GraphRAG</a:t>
-            </a:r>
-            <a:r>
-              <a:rPr lang="en-US" b="1" dirty="0"/>
-              <a:t> </a:t>
-            </a:r>
-            <a:r>
-              <a:rPr lang="en-US" b="1" dirty="0" err="1"/>
-              <a:t>dopyt</a:t>
-            </a:r>
-            <a:endParaRPr lang="en-US" b="1" dirty="0"/>
-          </a:p>
-        </p:txBody>
-      </p:sp>
-      <p:sp>
-        <p:nvSpPr>
-          <p:cNvPr id="3" name="Content Placeholder 2">
-            <a:extLst>
-              <a:ext uri="{FF2B5EF4-FFF2-40B4-BE49-F238E27FC236}">
-                <a16:creationId xmlns:a16="http://schemas.microsoft.com/office/drawing/2014/main" id="{E1507872-5524-F1BC-283B-B1C8BEE88990}"/>
-              </a:ext>
-            </a:extLst>
-          </p:cNvPr>
-          <p:cNvSpPr>
-            <a:spLocks noGrp="1"/>
-          </p:cNvSpPr>
-          <p:nvPr>
-            <p:ph idx="1"/>
-          </p:nvPr>
-        </p:nvSpPr>
-        <p:spPr/>
-        <p:txBody>
-          <a:bodyPr/>
-          <a:lstStyle/>
-          <a:p>
-            <a:r>
-              <a:rPr lang="en-US" b="1" dirty="0" err="1"/>
-              <a:t>Preformulovanie</a:t>
-            </a:r>
-            <a:r>
-              <a:rPr lang="en-US" dirty="0"/>
-              <a:t>: LLM </a:t>
-            </a:r>
-            <a:r>
-              <a:rPr lang="en-US" dirty="0" err="1"/>
-              <a:t>vytvorí</a:t>
-            </a:r>
-            <a:r>
-              <a:rPr lang="en-US" dirty="0"/>
-              <a:t> 3–5 </a:t>
-            </a:r>
-            <a:r>
-              <a:rPr lang="en-US" dirty="0" err="1"/>
-              <a:t>variácií</a:t>
-            </a:r>
-            <a:r>
-              <a:rPr lang="en-US" dirty="0"/>
-              <a:t> </a:t>
-            </a:r>
-            <a:r>
-              <a:rPr lang="en-US" dirty="0" err="1"/>
-              <a:t>otázky</a:t>
-            </a:r>
-            <a:r>
-              <a:rPr lang="en-US" dirty="0"/>
-              <a:t> pre </a:t>
-            </a:r>
-            <a:r>
-              <a:rPr lang="en-US" dirty="0" err="1"/>
-              <a:t>širší</a:t>
-            </a:r>
-            <a:r>
-              <a:rPr lang="en-US" dirty="0"/>
-              <a:t> </a:t>
-            </a:r>
-            <a:r>
-              <a:rPr lang="en-US" dirty="0" err="1"/>
-              <a:t>záber</a:t>
-            </a:r>
-            <a:r>
-              <a:rPr lang="en-US" dirty="0"/>
-              <a:t>.</a:t>
-            </a:r>
-          </a:p>
-          <a:p>
-            <a:r>
-              <a:rPr lang="en-US" dirty="0" err="1"/>
-              <a:t>Iteratívne</a:t>
-            </a:r>
-            <a:r>
-              <a:rPr lang="en-US" dirty="0"/>
-              <a:t> </a:t>
-            </a:r>
-            <a:r>
-              <a:rPr lang="en-US" dirty="0" err="1"/>
-              <a:t>dopytovanie</a:t>
-            </a:r>
-            <a:r>
-              <a:rPr lang="en-US" dirty="0"/>
-              <a:t>:</a:t>
-            </a:r>
-          </a:p>
-          <a:p>
-            <a:pPr lvl="1"/>
-            <a:r>
-              <a:rPr lang="en-US" dirty="0" err="1"/>
-              <a:t>Extrakcia</a:t>
-            </a:r>
-            <a:r>
-              <a:rPr lang="en-US" dirty="0"/>
-              <a:t> </a:t>
-            </a:r>
-            <a:r>
-              <a:rPr lang="en-US" dirty="0" err="1"/>
-              <a:t>entít</a:t>
-            </a:r>
-            <a:r>
-              <a:rPr lang="en-US" dirty="0"/>
-              <a:t> z </a:t>
-            </a:r>
-            <a:r>
-              <a:rPr lang="en-US" dirty="0" err="1"/>
-              <a:t>otázky</a:t>
-            </a:r>
-            <a:r>
-              <a:rPr lang="en-US" dirty="0"/>
-              <a:t>.</a:t>
-            </a:r>
-          </a:p>
-          <a:p>
-            <a:pPr lvl="1"/>
-            <a:r>
-              <a:rPr lang="en-US" dirty="0" err="1"/>
-              <a:t>Vyhľadanie</a:t>
-            </a:r>
-            <a:r>
-              <a:rPr lang="en-US" dirty="0"/>
-              <a:t> </a:t>
-            </a:r>
-            <a:r>
-              <a:rPr lang="en-US" dirty="0" err="1"/>
-              <a:t>podobných</a:t>
-            </a:r>
-            <a:r>
-              <a:rPr lang="en-US" dirty="0"/>
-              <a:t> </a:t>
-            </a:r>
-            <a:r>
-              <a:rPr lang="en-US" dirty="0" err="1"/>
-              <a:t>uzlov</a:t>
-            </a:r>
-            <a:r>
-              <a:rPr lang="en-US" dirty="0"/>
-              <a:t> </a:t>
-            </a:r>
-            <a:r>
-              <a:rPr lang="en-US" dirty="0" err="1"/>
-              <a:t>vo</a:t>
-            </a:r>
-            <a:r>
-              <a:rPr lang="en-US" dirty="0"/>
-              <a:t> </a:t>
-            </a:r>
-            <a:r>
-              <a:rPr lang="en-US" dirty="0" err="1"/>
-              <a:t>vektorovej</a:t>
-            </a:r>
-            <a:r>
-              <a:rPr lang="en-US" dirty="0"/>
-              <a:t> </a:t>
-            </a:r>
-            <a:r>
-              <a:rPr lang="en-US" dirty="0" err="1"/>
-              <a:t>databáze</a:t>
-            </a:r>
-            <a:r>
-              <a:rPr lang="en-US" dirty="0"/>
-              <a:t>.</a:t>
-            </a:r>
-          </a:p>
-          <a:p>
-            <a:pPr lvl="1"/>
-            <a:r>
-              <a:rPr lang="en-US" dirty="0"/>
-              <a:t>Cypher Agent: LLM </a:t>
-            </a:r>
-            <a:r>
-              <a:rPr lang="en-US" dirty="0" err="1"/>
-              <a:t>generuje</a:t>
-            </a:r>
-            <a:r>
-              <a:rPr lang="en-US" dirty="0"/>
-              <a:t> a </a:t>
-            </a:r>
-            <a:r>
-              <a:rPr lang="en-US" dirty="0" err="1"/>
-              <a:t>spúšťa</a:t>
-            </a:r>
-            <a:r>
-              <a:rPr lang="en-US" dirty="0"/>
-              <a:t> </a:t>
-            </a:r>
-            <a:r>
-              <a:rPr lang="en-US" dirty="0" err="1"/>
-              <a:t>databázové</a:t>
-            </a:r>
-            <a:r>
-              <a:rPr lang="en-US" dirty="0"/>
-              <a:t> </a:t>
-            </a:r>
-            <a:r>
-              <a:rPr lang="en-US" dirty="0" err="1"/>
-              <a:t>dopyty</a:t>
-            </a:r>
-            <a:r>
-              <a:rPr lang="en-US" dirty="0"/>
-              <a:t> v </a:t>
-            </a:r>
-            <a:r>
-              <a:rPr lang="en-US" dirty="0" err="1"/>
-              <a:t>slučke</a:t>
-            </a:r>
-            <a:r>
-              <a:rPr lang="en-US" dirty="0"/>
-              <a:t> (tool loop).</a:t>
-            </a:r>
-          </a:p>
-          <a:p>
-            <a:r>
-              <a:rPr lang="en-US" b="1" dirty="0"/>
-              <a:t>Multi-hop Reasoning</a:t>
-            </a:r>
-            <a:r>
-              <a:rPr lang="en-US" dirty="0"/>
-              <a:t>: </a:t>
-            </a:r>
-            <a:r>
-              <a:rPr lang="en-US" dirty="0" err="1"/>
-              <a:t>Hľadanie</a:t>
-            </a:r>
-            <a:r>
-              <a:rPr lang="en-US" dirty="0"/>
-              <a:t> </a:t>
-            </a:r>
-            <a:r>
-              <a:rPr lang="en-US" dirty="0" err="1"/>
-              <a:t>súvislostí</a:t>
-            </a:r>
-            <a:r>
-              <a:rPr lang="en-US" dirty="0"/>
-              <a:t> "za </a:t>
-            </a:r>
-            <a:r>
-              <a:rPr lang="en-US" dirty="0" err="1"/>
-              <a:t>roh</a:t>
-            </a:r>
-            <a:r>
-              <a:rPr lang="en-US" dirty="0"/>
-              <a:t>" (</a:t>
-            </a:r>
-            <a:r>
-              <a:rPr lang="en-US" dirty="0" err="1"/>
-              <a:t>napr</a:t>
-            </a:r>
-            <a:r>
-              <a:rPr lang="en-US" dirty="0"/>
-              <a:t>. Osoba -&gt; </a:t>
-            </a:r>
-            <a:r>
-              <a:rPr lang="en-US" dirty="0" err="1"/>
-              <a:t>Zmluva</a:t>
-            </a:r>
-            <a:r>
-              <a:rPr lang="en-US" dirty="0"/>
-              <a:t> -&gt; </a:t>
-            </a:r>
-            <a:r>
-              <a:rPr lang="en-US" dirty="0" err="1"/>
-              <a:t>Zákon</a:t>
-            </a:r>
-            <a:r>
-              <a:rPr lang="en-US" dirty="0"/>
-              <a:t>).</a:t>
-            </a:r>
-          </a:p>
-        </p:txBody>
-      </p:sp>
+      <p:pic>
+        <p:nvPicPr>
+          <p:cNvPr id="5" name="Picture 4">
+            <a:extLst>
+              <a:ext uri="{FF2B5EF4-FFF2-40B4-BE49-F238E27FC236}">
+                <a16:creationId xmlns:a16="http://schemas.microsoft.com/office/drawing/2014/main" id="{FA7DBB5A-94F6-8B78-1E77-CAF2B392C1E7}"/>
+              </a:ext>
+            </a:extLst>
+          </p:cNvPr>
+          <p:cNvPicPr>
+            <a:picLocks noChangeAspect="1"/>
+          </p:cNvPicPr>
+          <p:nvPr/>
+        </p:nvPicPr>
+        <p:blipFill>
+          <a:blip r:embed="rId2"/>
+          <a:stretch>
+            <a:fillRect/>
+          </a:stretch>
+        </p:blipFill>
+        <p:spPr>
+          <a:xfrm>
+            <a:off x="2342284" y="0"/>
+            <a:ext cx="7507432" cy="6858000"/>
+          </a:xfrm>
+          <a:prstGeom prst="rect">
+            <a:avLst/>
+          </a:prstGeom>
+        </p:spPr>
+      </p:pic>
     </p:spTree>
     <p:extLst>
       <p:ext uri="{BB962C8B-B14F-4D97-AF65-F5344CB8AC3E}">
-        <p14:creationId xmlns:p14="http://schemas.microsoft.com/office/powerpoint/2010/main" val="633522939"/>
+        <p14:creationId xmlns:p14="http://schemas.microsoft.com/office/powerpoint/2010/main" val="1027346217"/>
       </p:ext>
     </p:extLst>
   </p:cSld>
@@ -5455,374 +4846,100 @@
           <a:chExt cx="0" cy="0"/>
         </a:xfrm>
       </p:grpSpPr>
-      <p:sp>
-        <p:nvSpPr>
-          <p:cNvPr id="2" name="Title 1">
-            <a:extLst>
-              <a:ext uri="{FF2B5EF4-FFF2-40B4-BE49-F238E27FC236}">
-                <a16:creationId xmlns:a16="http://schemas.microsoft.com/office/drawing/2014/main" id="{464D5F4E-DF6D-720F-D857-F780D72090A6}"/>
-              </a:ext>
-            </a:extLst>
-          </p:cNvPr>
-          <p:cNvSpPr>
-            <a:spLocks noGrp="1"/>
-          </p:cNvSpPr>
-          <p:nvPr>
-            <p:ph type="title"/>
-          </p:nvPr>
-        </p:nvSpPr>
-        <p:spPr/>
-        <p:txBody>
-          <a:bodyPr/>
-          <a:lstStyle/>
-          <a:p>
-            <a:r>
-              <a:rPr lang="en-US" b="1" dirty="0" err="1"/>
-              <a:t>Overenie</a:t>
-            </a:r>
-            <a:r>
-              <a:rPr lang="en-US" b="1" dirty="0"/>
-              <a:t> a </a:t>
-            </a:r>
-            <a:r>
-              <a:rPr lang="en-US" b="1" dirty="0" err="1"/>
-              <a:t>Generovanie</a:t>
-            </a:r>
-            <a:endParaRPr lang="en-US" b="1" dirty="0"/>
-          </a:p>
-        </p:txBody>
-      </p:sp>
-      <p:sp>
-        <p:nvSpPr>
-          <p:cNvPr id="3" name="Content Placeholder 2">
-            <a:extLst>
-              <a:ext uri="{FF2B5EF4-FFF2-40B4-BE49-F238E27FC236}">
-                <a16:creationId xmlns:a16="http://schemas.microsoft.com/office/drawing/2014/main" id="{305480C0-7F64-6E89-9A43-3CB10524E99B}"/>
-              </a:ext>
-            </a:extLst>
-          </p:cNvPr>
-          <p:cNvSpPr>
-            <a:spLocks noGrp="1"/>
-          </p:cNvSpPr>
-          <p:nvPr>
-            <p:ph idx="1"/>
-          </p:nvPr>
-        </p:nvSpPr>
-        <p:spPr/>
-        <p:txBody>
-          <a:bodyPr>
-            <a:normAutofit/>
-          </a:bodyPr>
-          <a:lstStyle/>
-          <a:p>
-            <a:r>
-              <a:rPr lang="en-US" b="1" dirty="0" err="1"/>
-              <a:t>Kontrolný</a:t>
-            </a:r>
-            <a:r>
-              <a:rPr lang="en-US" b="1" dirty="0"/>
-              <a:t> </a:t>
-            </a:r>
-            <a:r>
-              <a:rPr lang="en-US" b="1" dirty="0" err="1"/>
-              <a:t>mechanizmus</a:t>
-            </a:r>
-            <a:r>
-              <a:rPr lang="en-US" dirty="0"/>
-              <a:t>: LLM </a:t>
-            </a:r>
-            <a:r>
-              <a:rPr lang="en-US" dirty="0" err="1"/>
-              <a:t>posúdi</a:t>
-            </a:r>
-            <a:r>
-              <a:rPr lang="en-US" dirty="0"/>
-              <a:t>, </a:t>
-            </a:r>
-            <a:r>
-              <a:rPr lang="en-US" dirty="0" err="1"/>
-              <a:t>či</a:t>
-            </a:r>
-            <a:r>
-              <a:rPr lang="en-US" dirty="0"/>
-              <a:t> </a:t>
-            </a:r>
-            <a:r>
-              <a:rPr lang="en-US" dirty="0" err="1"/>
-              <a:t>sú</a:t>
-            </a:r>
-            <a:r>
-              <a:rPr lang="en-US" dirty="0"/>
-              <a:t> </a:t>
-            </a:r>
-            <a:r>
-              <a:rPr lang="en-US" dirty="0" err="1"/>
-              <a:t>dáta</a:t>
-            </a:r>
-            <a:r>
-              <a:rPr lang="en-US" dirty="0"/>
-              <a:t> z </a:t>
-            </a:r>
-            <a:r>
-              <a:rPr lang="en-US" dirty="0" err="1"/>
-              <a:t>grafu</a:t>
-            </a:r>
-            <a:r>
-              <a:rPr lang="en-US" dirty="0"/>
-              <a:t> </a:t>
-            </a:r>
-            <a:r>
-              <a:rPr lang="en-US" dirty="0" err="1"/>
-              <a:t>dostatočné</a:t>
-            </a:r>
-            <a:r>
-              <a:rPr lang="en-US" dirty="0"/>
-              <a:t>.</a:t>
-            </a:r>
-          </a:p>
-          <a:p>
-            <a:r>
-              <a:rPr lang="en-US" dirty="0" err="1"/>
-              <a:t>Kontextová</a:t>
-            </a:r>
-            <a:r>
-              <a:rPr lang="en-US" dirty="0"/>
-              <a:t> </a:t>
-            </a:r>
-            <a:r>
-              <a:rPr lang="en-US" dirty="0" err="1"/>
-              <a:t>syntéza</a:t>
-            </a:r>
-            <a:r>
-              <a:rPr lang="en-US" dirty="0"/>
-              <a:t>. </a:t>
-            </a:r>
-            <a:r>
-              <a:rPr lang="en-US" dirty="0" err="1"/>
-              <a:t>Odpoveď</a:t>
-            </a:r>
-            <a:r>
-              <a:rPr lang="en-US" dirty="0"/>
-              <a:t> </a:t>
-            </a:r>
-            <a:r>
-              <a:rPr lang="en-US" dirty="0" err="1"/>
-              <a:t>sa</a:t>
-            </a:r>
-            <a:r>
-              <a:rPr lang="en-US" dirty="0"/>
-              <a:t> </a:t>
-            </a:r>
-            <a:r>
-              <a:rPr lang="en-US" dirty="0" err="1"/>
-              <a:t>skladá</a:t>
-            </a:r>
-            <a:r>
-              <a:rPr lang="en-US" dirty="0"/>
-              <a:t> z:</a:t>
-            </a:r>
-          </a:p>
-          <a:p>
-            <a:pPr lvl="1"/>
-            <a:r>
-              <a:rPr lang="en-US" dirty="0" err="1"/>
-              <a:t>Znalostných</a:t>
-            </a:r>
-            <a:r>
-              <a:rPr lang="en-US" dirty="0"/>
-              <a:t> </a:t>
-            </a:r>
-            <a:r>
-              <a:rPr lang="en-US" dirty="0" err="1"/>
-              <a:t>podgrafov</a:t>
-            </a:r>
-            <a:r>
-              <a:rPr lang="en-US" dirty="0"/>
-              <a:t> (</a:t>
-            </a:r>
-            <a:r>
-              <a:rPr lang="en-US" dirty="0" err="1"/>
-              <a:t>štruktúrované</a:t>
-            </a:r>
-            <a:r>
-              <a:rPr lang="en-US" dirty="0"/>
-              <a:t> </a:t>
-            </a:r>
-            <a:r>
-              <a:rPr lang="en-US" dirty="0" err="1"/>
-              <a:t>dáta</a:t>
-            </a:r>
-            <a:r>
-              <a:rPr lang="en-US" dirty="0"/>
-              <a:t>).</a:t>
-            </a:r>
-          </a:p>
-          <a:p>
-            <a:pPr lvl="1"/>
-            <a:r>
-              <a:rPr lang="en-US" dirty="0" err="1"/>
-              <a:t>Textových</a:t>
-            </a:r>
-            <a:r>
-              <a:rPr lang="en-US" dirty="0"/>
-              <a:t> </a:t>
-            </a:r>
-            <a:r>
-              <a:rPr lang="en-US" dirty="0" err="1"/>
-              <a:t>chunkov</a:t>
-            </a:r>
-            <a:r>
-              <a:rPr lang="en-US" dirty="0"/>
-              <a:t> (</a:t>
-            </a:r>
-            <a:r>
-              <a:rPr lang="en-US" dirty="0" err="1"/>
-              <a:t>sémantický</a:t>
-            </a:r>
-            <a:r>
-              <a:rPr lang="en-US" dirty="0"/>
-              <a:t> </a:t>
-            </a:r>
-            <a:r>
-              <a:rPr lang="en-US" dirty="0" err="1"/>
-              <a:t>kontext</a:t>
-            </a:r>
-            <a:r>
-              <a:rPr lang="en-US" dirty="0"/>
-              <a:t>).</a:t>
-            </a:r>
-          </a:p>
-          <a:p>
-            <a:pPr lvl="1"/>
-            <a:r>
-              <a:rPr lang="en-US" dirty="0" err="1"/>
-              <a:t>Pôvodnej</a:t>
-            </a:r>
-            <a:r>
-              <a:rPr lang="en-US" dirty="0"/>
-              <a:t> a </a:t>
-            </a:r>
-            <a:r>
-              <a:rPr lang="en-US" dirty="0" err="1"/>
-              <a:t>preformulovanej</a:t>
-            </a:r>
-            <a:r>
-              <a:rPr lang="en-US" dirty="0"/>
-              <a:t> </a:t>
-            </a:r>
-            <a:r>
-              <a:rPr lang="en-US" dirty="0" err="1"/>
-              <a:t>otázky</a:t>
-            </a:r>
-            <a:r>
-              <a:rPr lang="en-US" dirty="0"/>
-              <a:t>.</a:t>
-            </a:r>
-          </a:p>
-          <a:p>
-            <a:r>
-              <a:rPr lang="en-US" b="1" dirty="0"/>
-              <a:t>Gemini Flash</a:t>
-            </a:r>
-            <a:r>
-              <a:rPr lang="en-US" dirty="0"/>
-              <a:t>: </a:t>
-            </a:r>
-            <a:r>
-              <a:rPr lang="en-US" dirty="0" err="1"/>
-              <a:t>Vďaka</a:t>
-            </a:r>
-            <a:r>
-              <a:rPr lang="en-US" dirty="0"/>
-              <a:t> </a:t>
-            </a:r>
-            <a:r>
-              <a:rPr lang="en-US" dirty="0" err="1"/>
-              <a:t>veľkému</a:t>
-            </a:r>
-            <a:r>
-              <a:rPr lang="en-US" dirty="0"/>
-              <a:t> </a:t>
-            </a:r>
-            <a:r>
-              <a:rPr lang="en-US" dirty="0" err="1"/>
-              <a:t>oknu</a:t>
-            </a:r>
-            <a:r>
-              <a:rPr lang="en-US" dirty="0"/>
-              <a:t> </a:t>
-            </a:r>
-            <a:r>
-              <a:rPr lang="en-US" dirty="0" err="1"/>
-              <a:t>spracuje</a:t>
-            </a:r>
-            <a:r>
-              <a:rPr lang="en-US" dirty="0"/>
-              <a:t> </a:t>
-            </a:r>
-            <a:r>
-              <a:rPr lang="en-US" dirty="0" err="1"/>
-              <a:t>všetky</a:t>
-            </a:r>
-            <a:r>
-              <a:rPr lang="en-US" dirty="0"/>
-              <a:t> </a:t>
-            </a:r>
-            <a:r>
-              <a:rPr lang="en-US" dirty="0" err="1"/>
-              <a:t>vstupy</a:t>
-            </a:r>
-            <a:r>
-              <a:rPr lang="en-US" dirty="0"/>
-              <a:t> do </a:t>
-            </a:r>
-            <a:r>
-              <a:rPr lang="en-US" dirty="0" err="1"/>
-              <a:t>finálnej</a:t>
-            </a:r>
-            <a:r>
-              <a:rPr lang="en-US" dirty="0"/>
-              <a:t> </a:t>
-            </a:r>
-            <a:r>
-              <a:rPr lang="en-US" dirty="0" err="1"/>
-              <a:t>právnej</a:t>
-            </a:r>
-            <a:r>
-              <a:rPr lang="en-US" dirty="0"/>
-              <a:t> </a:t>
-            </a:r>
-            <a:r>
-              <a:rPr lang="en-US" dirty="0" err="1"/>
-              <a:t>analýzy</a:t>
-            </a:r>
-            <a:r>
-              <a:rPr lang="en-US" dirty="0"/>
-              <a:t> bez </a:t>
-            </a:r>
-            <a:r>
-              <a:rPr lang="en-US" dirty="0" err="1"/>
-              <a:t>straty</a:t>
-            </a:r>
-            <a:r>
-              <a:rPr lang="en-US" dirty="0"/>
-              <a:t> </a:t>
-            </a:r>
-            <a:r>
-              <a:rPr lang="en-US" dirty="0" err="1"/>
-              <a:t>informácií</a:t>
-            </a:r>
-            <a:r>
-              <a:rPr lang="en-US" dirty="0"/>
-              <a:t>.</a:t>
-            </a:r>
-          </a:p>
-        </p:txBody>
-      </p:sp>
+      <p:pic>
+        <p:nvPicPr>
+          <p:cNvPr id="3" name="Picture 2">
+            <a:extLst>
+              <a:ext uri="{FF2B5EF4-FFF2-40B4-BE49-F238E27FC236}">
+                <a16:creationId xmlns:a16="http://schemas.microsoft.com/office/drawing/2014/main" id="{6969CE78-E9CE-A470-72B5-DFFDC1076059}"/>
+              </a:ext>
+            </a:extLst>
+          </p:cNvPr>
+          <p:cNvPicPr>
+            <a:picLocks noChangeAspect="1"/>
+          </p:cNvPicPr>
+          <p:nvPr/>
+        </p:nvPicPr>
+        <p:blipFill>
+          <a:blip r:embed="rId2"/>
+          <a:stretch>
+            <a:fillRect/>
+          </a:stretch>
+        </p:blipFill>
+        <p:spPr>
+          <a:xfrm>
+            <a:off x="6461597" y="50182"/>
+            <a:ext cx="4856892" cy="4513268"/>
+          </a:xfrm>
+          <a:prstGeom prst="rect">
+            <a:avLst/>
+          </a:prstGeom>
+        </p:spPr>
+      </p:pic>
+      <p:pic>
+        <p:nvPicPr>
+          <p:cNvPr id="5" name="Picture 4">
+            <a:extLst>
+              <a:ext uri="{FF2B5EF4-FFF2-40B4-BE49-F238E27FC236}">
+                <a16:creationId xmlns:a16="http://schemas.microsoft.com/office/drawing/2014/main" id="{7B545B73-85B0-1CE4-D8D4-F0E53174E96F}"/>
+              </a:ext>
+            </a:extLst>
+          </p:cNvPr>
+          <p:cNvPicPr>
+            <a:picLocks noChangeAspect="1"/>
+          </p:cNvPicPr>
+          <p:nvPr/>
+        </p:nvPicPr>
+        <p:blipFill>
+          <a:blip r:embed="rId3"/>
+          <a:stretch>
+            <a:fillRect/>
+          </a:stretch>
+        </p:blipFill>
+        <p:spPr>
+          <a:xfrm>
+            <a:off x="400121" y="518788"/>
+            <a:ext cx="5330283" cy="5820424"/>
+          </a:xfrm>
+          <a:prstGeom prst="rect">
+            <a:avLst/>
+          </a:prstGeom>
+        </p:spPr>
+      </p:pic>
+      <p:pic>
+        <p:nvPicPr>
+          <p:cNvPr id="7" name="Picture 6">
+            <a:extLst>
+              <a:ext uri="{FF2B5EF4-FFF2-40B4-BE49-F238E27FC236}">
+                <a16:creationId xmlns:a16="http://schemas.microsoft.com/office/drawing/2014/main" id="{296CB39E-8D88-C8CE-D0E9-C50230CF85C6}"/>
+              </a:ext>
+            </a:extLst>
+          </p:cNvPr>
+          <p:cNvPicPr>
+            <a:picLocks noChangeAspect="1"/>
+          </p:cNvPicPr>
+          <p:nvPr/>
+        </p:nvPicPr>
+        <p:blipFill>
+          <a:blip r:embed="rId4"/>
+          <a:stretch>
+            <a:fillRect/>
+          </a:stretch>
+        </p:blipFill>
+        <p:spPr>
+          <a:xfrm>
+            <a:off x="7156379" y="4404732"/>
+            <a:ext cx="3467327" cy="2453268"/>
+          </a:xfrm>
+          <a:prstGeom prst="rect">
+            <a:avLst/>
+          </a:prstGeom>
+        </p:spPr>
+      </p:pic>
     </p:spTree>
     <p:extLst>
       <p:ext uri="{BB962C8B-B14F-4D97-AF65-F5344CB8AC3E}">
-        <p14:creationId xmlns:p14="http://schemas.microsoft.com/office/powerpoint/2010/main" val="2763537026"/>
+        <p14:creationId xmlns:p14="http://schemas.microsoft.com/office/powerpoint/2010/main" val="3044713160"/>
       </p:ext>
     </p:extLst>
   </p:cSld>
@@ -5854,7 +4971,7 @@
           <p:cNvPr id="2" name="Title 1">
             <a:extLst>
               <a:ext uri="{FF2B5EF4-FFF2-40B4-BE49-F238E27FC236}">
-                <a16:creationId xmlns:a16="http://schemas.microsoft.com/office/drawing/2014/main" id="{7216577A-A137-415D-1BC7-9EA59361F47E}"/>
+                <a16:creationId xmlns:a16="http://schemas.microsoft.com/office/drawing/2014/main" id="{7404EE40-F9F3-5423-B76A-ADE78BFE0046}"/>
               </a:ext>
             </a:extLst>
           </p:cNvPr>
@@ -5871,34 +4988,9 @@
           <a:lstStyle/>
           <a:p>
             <a:r>
-              <a:rPr lang="en-US" b="1" dirty="0" err="1"/>
-              <a:t>Validácia</a:t>
-            </a:r>
-            <a:r>
-              <a:rPr lang="en-US" b="1" dirty="0"/>
-              <a:t> </a:t>
-            </a:r>
-            <a:r>
-              <a:rPr lang="en-US" b="1" dirty="0" err="1"/>
-              <a:t>na</a:t>
-            </a:r>
-            <a:r>
-              <a:rPr lang="en-US" b="1" dirty="0"/>
-              <a:t> </a:t>
-            </a:r>
-            <a:r>
-              <a:rPr lang="en-US" b="1" dirty="0" err="1"/>
-              <a:t>literárnom</a:t>
-            </a:r>
-            <a:r>
-              <a:rPr lang="en-US" b="1" dirty="0"/>
-              <a:t> </a:t>
-            </a:r>
-            <a:r>
-              <a:rPr lang="en-US" b="1" dirty="0" err="1"/>
-              <a:t>diele</a:t>
-            </a:r>
-            <a:endParaRPr lang="en-US" dirty="0"/>
+              <a:rPr lang="sk-SK" b="1" noProof="1"/>
+              <a:t>Hybridný GraphRAG</a:t>
+            </a:r>
           </a:p>
         </p:txBody>
       </p:sp>
@@ -5907,7 +4999,7 @@
           <p:cNvPr id="3" name="Content Placeholder 2">
             <a:extLst>
               <a:ext uri="{FF2B5EF4-FFF2-40B4-BE49-F238E27FC236}">
-                <a16:creationId xmlns:a16="http://schemas.microsoft.com/office/drawing/2014/main" id="{12501B99-2B40-E752-B3E4-3A8F7A41CAE0}"/>
+                <a16:creationId xmlns:a16="http://schemas.microsoft.com/office/drawing/2014/main" id="{E1507872-5524-F1BC-283B-B1C8BEE88990}"/>
               </a:ext>
             </a:extLst>
           </p:cNvPr>
@@ -5920,304 +5012,91 @@
         </p:nvSpPr>
         <p:spPr/>
         <p:txBody>
-          <a:bodyPr>
-            <a:normAutofit/>
-          </a:bodyPr>
-          <a:lstStyle/>
-          <a:p>
-            <a:r>
-              <a:rPr lang="en-US" b="1" dirty="0" err="1"/>
-              <a:t>Prečo</a:t>
-            </a:r>
-            <a:r>
-              <a:rPr lang="en-US" dirty="0"/>
-              <a:t>: </a:t>
-            </a:r>
-            <a:r>
-              <a:rPr lang="en-US" dirty="0" err="1"/>
-              <a:t>Jednoduchšie</a:t>
-            </a:r>
-            <a:r>
-              <a:rPr lang="en-US" dirty="0"/>
-              <a:t> </a:t>
-            </a:r>
-            <a:r>
-              <a:rPr lang="en-US" dirty="0" err="1"/>
-              <a:t>overenie</a:t>
-            </a:r>
-            <a:r>
-              <a:rPr lang="en-US" dirty="0"/>
-              <a:t> </a:t>
-            </a:r>
-            <a:r>
-              <a:rPr lang="en-US" dirty="0" err="1"/>
-              <a:t>faktov</a:t>
-            </a:r>
-            <a:r>
-              <a:rPr lang="en-US" dirty="0"/>
-              <a:t> a </a:t>
-            </a:r>
-            <a:r>
-              <a:rPr lang="en-US" dirty="0" err="1"/>
-              <a:t>komplexných</a:t>
-            </a:r>
-            <a:r>
-              <a:rPr lang="en-US" dirty="0"/>
-              <a:t> </a:t>
-            </a:r>
-            <a:r>
-              <a:rPr lang="en-US" dirty="0" err="1"/>
-              <a:t>vzťahov</a:t>
-            </a:r>
-            <a:r>
-              <a:rPr lang="en-US" dirty="0"/>
-              <a:t>.</a:t>
-            </a:r>
-          </a:p>
-          <a:p>
-            <a:r>
-              <a:rPr lang="en-US" b="1" dirty="0" err="1"/>
-              <a:t>Efektivita</a:t>
-            </a:r>
-            <a:r>
-              <a:rPr lang="en-US" dirty="0"/>
-              <a:t>: </a:t>
-            </a:r>
-            <a:r>
-              <a:rPr lang="en-US" dirty="0" err="1"/>
-              <a:t>Asynchrónne</a:t>
-            </a:r>
-            <a:r>
-              <a:rPr lang="en-US" dirty="0"/>
-              <a:t> </a:t>
-            </a:r>
-            <a:r>
-              <a:rPr lang="en-US" dirty="0" err="1"/>
-              <a:t>spracovanie</a:t>
-            </a:r>
-            <a:r>
-              <a:rPr lang="en-US" dirty="0"/>
-              <a:t> </a:t>
-            </a:r>
-            <a:r>
-              <a:rPr lang="en-US" dirty="0" err="1"/>
-              <a:t>znížilo</a:t>
-            </a:r>
-            <a:r>
-              <a:rPr lang="en-US" dirty="0"/>
-              <a:t> </a:t>
-            </a:r>
-            <a:r>
-              <a:rPr lang="en-US" dirty="0" err="1"/>
-              <a:t>čas</a:t>
-            </a:r>
-            <a:r>
-              <a:rPr lang="en-US" dirty="0"/>
-              <a:t> z 12 min </a:t>
-            </a:r>
-            <a:r>
-              <a:rPr lang="en-US" dirty="0" err="1"/>
-              <a:t>na</a:t>
-            </a:r>
-            <a:r>
-              <a:rPr lang="en-US" dirty="0"/>
-              <a:t> 2 min (6x </a:t>
-            </a:r>
-            <a:r>
-              <a:rPr lang="en-US" dirty="0" err="1"/>
-              <a:t>zrýchlenie</a:t>
-            </a:r>
-            <a:r>
-              <a:rPr lang="en-US" dirty="0"/>
-              <a:t>).</a:t>
-            </a:r>
-          </a:p>
-          <a:p>
-            <a:r>
-              <a:rPr lang="en-US" b="1" dirty="0" err="1"/>
-              <a:t>Presnosť</a:t>
-            </a:r>
-            <a:r>
-              <a:rPr lang="en-US" dirty="0"/>
-              <a:t>: </a:t>
-            </a:r>
-            <a:r>
-              <a:rPr lang="en-US" dirty="0" err="1"/>
-              <a:t>Napriek</a:t>
-            </a:r>
-            <a:r>
-              <a:rPr lang="en-US" dirty="0"/>
-              <a:t> </a:t>
-            </a:r>
-            <a:r>
-              <a:rPr lang="en-US" dirty="0" err="1"/>
-              <a:t>nekonzistentnosti</a:t>
-            </a:r>
-            <a:r>
-              <a:rPr lang="en-US" dirty="0"/>
-              <a:t> v </a:t>
-            </a:r>
-            <a:r>
-              <a:rPr lang="en-US" dirty="0" err="1"/>
-              <a:t>otvorenej</a:t>
-            </a:r>
-            <a:r>
-              <a:rPr lang="en-US" dirty="0"/>
-              <a:t> </a:t>
-            </a:r>
-            <a:r>
-              <a:rPr lang="en-US" dirty="0" err="1"/>
-              <a:t>doméne</a:t>
-            </a:r>
-            <a:r>
-              <a:rPr lang="en-US" dirty="0"/>
-              <a:t> (5 </a:t>
-            </a:r>
-            <a:r>
-              <a:rPr lang="en-US" dirty="0" err="1"/>
-              <a:t>rôznych</a:t>
-            </a:r>
-            <a:r>
-              <a:rPr lang="en-US" dirty="0"/>
-              <a:t> </a:t>
-            </a:r>
-            <a:r>
-              <a:rPr lang="en-US" dirty="0" err="1"/>
-              <a:t>vzťahov</a:t>
-            </a:r>
-            <a:r>
-              <a:rPr lang="en-US" dirty="0"/>
-              <a:t> pre "</a:t>
-            </a:r>
-            <a:r>
-              <a:rPr lang="en-US" dirty="0" err="1"/>
-              <a:t>lásku</a:t>
-            </a:r>
-            <a:r>
-              <a:rPr lang="en-US" dirty="0"/>
-              <a:t>") </a:t>
-            </a:r>
-            <a:r>
-              <a:rPr lang="en-US" dirty="0" err="1"/>
-              <a:t>systém</a:t>
-            </a:r>
-            <a:r>
-              <a:rPr lang="en-US" dirty="0"/>
-              <a:t> </a:t>
-            </a:r>
-            <a:r>
-              <a:rPr lang="en-US" dirty="0" err="1"/>
-              <a:t>vďaka</a:t>
-            </a:r>
-            <a:r>
-              <a:rPr lang="en-US" dirty="0"/>
-              <a:t> </a:t>
-            </a:r>
-            <a:r>
-              <a:rPr lang="en-US" dirty="0" err="1"/>
-              <a:t>grafu</a:t>
-            </a:r>
-            <a:r>
-              <a:rPr lang="en-US" dirty="0"/>
-              <a:t> </a:t>
-            </a:r>
-            <a:r>
-              <a:rPr lang="en-US" dirty="0" err="1"/>
-              <a:t>vždy</a:t>
-            </a:r>
-            <a:r>
-              <a:rPr lang="en-US" dirty="0"/>
-              <a:t> </a:t>
-            </a:r>
-            <a:r>
-              <a:rPr lang="en-US" dirty="0" err="1"/>
-              <a:t>našiel</a:t>
-            </a:r>
-            <a:r>
-              <a:rPr lang="en-US" dirty="0"/>
-              <a:t> </a:t>
-            </a:r>
-            <a:r>
-              <a:rPr lang="en-US" dirty="0" err="1"/>
-              <a:t>správnu</a:t>
-            </a:r>
-            <a:r>
-              <a:rPr lang="en-US" dirty="0"/>
-              <a:t> </a:t>
-            </a:r>
-            <a:r>
-              <a:rPr lang="en-US" dirty="0" err="1"/>
-              <a:t>odpoveď</a:t>
-            </a:r>
-            <a:r>
-              <a:rPr lang="en-US" dirty="0"/>
-              <a:t>.</a:t>
-            </a:r>
-          </a:p>
-          <a:p>
-            <a:r>
-              <a:rPr lang="en-US" b="1" dirty="0" err="1"/>
-              <a:t>Aktuálny</a:t>
-            </a:r>
-            <a:r>
-              <a:rPr lang="en-US" b="1" dirty="0"/>
-              <a:t> </a:t>
-            </a:r>
-            <a:r>
-              <a:rPr lang="en-US" b="1" dirty="0" err="1"/>
-              <a:t>stav</a:t>
-            </a:r>
-            <a:r>
-              <a:rPr lang="en-US" dirty="0"/>
-              <a:t>: </a:t>
-            </a:r>
-            <a:r>
-              <a:rPr lang="en-US" dirty="0" err="1"/>
-              <a:t>Prechod</a:t>
-            </a:r>
-            <a:r>
-              <a:rPr lang="en-US" dirty="0"/>
-              <a:t> </a:t>
-            </a:r>
-            <a:r>
-              <a:rPr lang="en-US" dirty="0" err="1"/>
-              <a:t>na</a:t>
-            </a:r>
-            <a:r>
-              <a:rPr lang="en-US" dirty="0"/>
-              <a:t> </a:t>
-            </a:r>
-            <a:r>
-              <a:rPr lang="en-US" dirty="0" err="1"/>
-              <a:t>reálne</a:t>
-            </a:r>
-            <a:r>
-              <a:rPr lang="en-US" dirty="0"/>
-              <a:t> </a:t>
-            </a:r>
-            <a:r>
-              <a:rPr lang="en-US" dirty="0" err="1"/>
-              <a:t>dáta</a:t>
-            </a:r>
-            <a:r>
-              <a:rPr lang="en-US" dirty="0"/>
-              <a:t> zo </a:t>
-            </a:r>
-            <a:r>
-              <a:rPr lang="en-US" dirty="0" err="1"/>
-              <a:t>Slov</a:t>
-            </a:r>
-            <a:r>
-              <a:rPr lang="en-US" dirty="0"/>
-              <a:t>-Lex.</a:t>
-            </a:r>
-          </a:p>
-        </p:txBody>
-      </p:sp>
+          <a:bodyPr/>
+          <a:lstStyle/>
+          <a:p>
+            <a:r>
+              <a:rPr lang="sk-SK" b="1" noProof="1"/>
+              <a:t>Preformulovanie</a:t>
+            </a:r>
+            <a:r>
+              <a:rPr lang="sk-SK" noProof="1"/>
+              <a:t>: LLM vytvorí 3–5 variácií otázky pre širší záber.</a:t>
+            </a:r>
+          </a:p>
+          <a:p>
+            <a:r>
+              <a:rPr lang="sk-SK" noProof="1"/>
+              <a:t>Iteratívne dopytovanie:</a:t>
+            </a:r>
+          </a:p>
+          <a:p>
+            <a:pPr lvl="1"/>
+            <a:r>
+              <a:rPr lang="sk-SK" noProof="1"/>
+              <a:t>Extrakcia entít z otázky.</a:t>
+            </a:r>
+          </a:p>
+          <a:p>
+            <a:pPr lvl="1"/>
+            <a:r>
+              <a:rPr lang="sk-SK" noProof="1"/>
+              <a:t>Vyhľadanie podobných uzlov vo vektorovej databáze.</a:t>
+            </a:r>
+          </a:p>
+          <a:p>
+            <a:pPr lvl="1"/>
+            <a:r>
+              <a:rPr lang="sk-SK" noProof="1"/>
+              <a:t>Cypher Agent: LLM generuje a spúšťa databázové dopyty iteratívne (tool loop).</a:t>
+            </a:r>
+          </a:p>
+          <a:p>
+            <a:r>
+              <a:rPr lang="sk-SK" b="1" noProof="1"/>
+              <a:t>Multi-hop Reasoning</a:t>
+            </a:r>
+            <a:r>
+              <a:rPr lang="sk-SK" noProof="1"/>
+              <a:t>: Hľadanie súvislostí "za roh" (napr. Osoba -&gt; Zmluva -&gt; Zákon).</a:t>
+            </a:r>
+          </a:p>
+        </p:txBody>
+      </p:sp>
+      <p:pic>
+        <p:nvPicPr>
+          <p:cNvPr id="4" name="Picture 3">
+            <a:extLst>
+              <a:ext uri="{FF2B5EF4-FFF2-40B4-BE49-F238E27FC236}">
+                <a16:creationId xmlns:a16="http://schemas.microsoft.com/office/drawing/2014/main" id="{EB343E23-3881-731C-4FDF-51F82AEB911D}"/>
+              </a:ext>
+            </a:extLst>
+          </p:cNvPr>
+          <p:cNvPicPr>
+            <a:picLocks noChangeAspect="1"/>
+          </p:cNvPicPr>
+          <p:nvPr/>
+        </p:nvPicPr>
+        <p:blipFill>
+          <a:blip r:embed="rId2"/>
+          <a:stretch>
+            <a:fillRect/>
+          </a:stretch>
+        </p:blipFill>
+        <p:spPr>
+          <a:xfrm>
+            <a:off x="1458922" y="4204138"/>
+            <a:ext cx="9274156" cy="2107762"/>
+          </a:xfrm>
+          <a:prstGeom prst="rect">
+            <a:avLst/>
+          </a:prstGeom>
+        </p:spPr>
+      </p:pic>
     </p:spTree>
     <p:extLst>
       <p:ext uri="{BB962C8B-B14F-4D97-AF65-F5344CB8AC3E}">
-        <p14:creationId xmlns:p14="http://schemas.microsoft.com/office/powerpoint/2010/main" val="3560601952"/>
+        <p14:creationId xmlns:p14="http://schemas.microsoft.com/office/powerpoint/2010/main" val="633522939"/>
       </p:ext>
     </p:extLst>
   </p:cSld>
@@ -6249,7 +5128,7 @@
           <p:cNvPr id="2" name="Title 1">
             <a:extLst>
               <a:ext uri="{FF2B5EF4-FFF2-40B4-BE49-F238E27FC236}">
-                <a16:creationId xmlns:a16="http://schemas.microsoft.com/office/drawing/2014/main" id="{4178A3C7-F223-AA8E-EE63-F48CDCB79B53}"/>
+                <a16:creationId xmlns:a16="http://schemas.microsoft.com/office/drawing/2014/main" id="{464D5F4E-DF6D-720F-D857-F780D72090A6}"/>
               </a:ext>
             </a:extLst>
           </p:cNvPr>
@@ -6266,28 +5145,8 @@
           <a:lstStyle/>
           <a:p>
             <a:r>
-              <a:rPr lang="en-US" b="1" dirty="0" err="1"/>
-              <a:t>Plán</a:t>
-            </a:r>
-            <a:r>
-              <a:rPr lang="en-US" b="1" dirty="0"/>
-              <a:t> </a:t>
-            </a:r>
-            <a:r>
-              <a:rPr lang="en-US" b="1" dirty="0" err="1"/>
-              <a:t>na</a:t>
-            </a:r>
-            <a:r>
-              <a:rPr lang="en-US" b="1" dirty="0"/>
-              <a:t> </a:t>
-            </a:r>
-            <a:r>
-              <a:rPr lang="en-US" b="1" dirty="0" err="1"/>
-              <a:t>letný</a:t>
-            </a:r>
-            <a:r>
-              <a:rPr lang="en-US" b="1" dirty="0"/>
-              <a:t> semester</a:t>
+              <a:rPr lang="sk-SK" b="1" noProof="1"/>
+              <a:t>Overenie a Generovanie</a:t>
             </a:r>
           </a:p>
         </p:txBody>
@@ -6297,7 +5156,7 @@
           <p:cNvPr id="3" name="Content Placeholder 2">
             <a:extLst>
               <a:ext uri="{FF2B5EF4-FFF2-40B4-BE49-F238E27FC236}">
-                <a16:creationId xmlns:a16="http://schemas.microsoft.com/office/drawing/2014/main" id="{4058E4B7-9F38-8AFD-A7E7-54C998F93164}"/>
+                <a16:creationId xmlns:a16="http://schemas.microsoft.com/office/drawing/2014/main" id="{305480C0-7F64-6E89-9A43-3CB10524E99B}"/>
               </a:ext>
             </a:extLst>
           </p:cNvPr>
@@ -6310,133 +5169,63 @@
         </p:nvSpPr>
         <p:spPr/>
         <p:txBody>
-          <a:bodyPr/>
-          <a:lstStyle/>
-          <a:p>
-            <a:r>
-              <a:rPr lang="en-US" b="1" dirty="0" err="1"/>
-              <a:t>Optimalizácia</a:t>
-            </a:r>
-            <a:r>
-              <a:rPr lang="en-US" dirty="0"/>
-              <a:t>: </a:t>
-            </a:r>
-            <a:r>
-              <a:rPr lang="en-US" dirty="0" err="1"/>
-              <a:t>Ladenie</a:t>
-            </a:r>
-            <a:r>
-              <a:rPr lang="en-US" dirty="0"/>
-              <a:t> </a:t>
-            </a:r>
-            <a:r>
-              <a:rPr lang="en-US" dirty="0" err="1"/>
-              <a:t>promptov</a:t>
-            </a:r>
-            <a:r>
-              <a:rPr lang="en-US" dirty="0"/>
-              <a:t> pre </a:t>
-            </a:r>
-            <a:r>
-              <a:rPr lang="en-US" dirty="0" err="1"/>
-              <a:t>rýchlejšie</a:t>
-            </a:r>
-            <a:r>
-              <a:rPr lang="en-US" dirty="0"/>
-              <a:t> multi-hop </a:t>
-            </a:r>
-            <a:r>
-              <a:rPr lang="en-US" dirty="0" err="1"/>
-              <a:t>hľadanie</a:t>
-            </a:r>
-            <a:r>
-              <a:rPr lang="en-US" dirty="0"/>
-              <a:t>.</a:t>
-            </a:r>
-          </a:p>
-          <a:p>
-            <a:r>
-              <a:rPr lang="en-US" b="1" dirty="0" err="1"/>
-              <a:t>Webová</a:t>
-            </a:r>
-            <a:r>
-              <a:rPr lang="en-US" b="1" dirty="0"/>
-              <a:t> </a:t>
-            </a:r>
-            <a:r>
-              <a:rPr lang="en-US" b="1" dirty="0" err="1"/>
-              <a:t>aplikácia</a:t>
-            </a:r>
-            <a:r>
-              <a:rPr lang="en-US" dirty="0"/>
-              <a:t>: </a:t>
-            </a:r>
-            <a:r>
-              <a:rPr lang="en-US" dirty="0" err="1"/>
-              <a:t>Používateľské</a:t>
-            </a:r>
-            <a:r>
-              <a:rPr lang="en-US" dirty="0"/>
-              <a:t> </a:t>
-            </a:r>
-            <a:r>
-              <a:rPr lang="en-US" dirty="0" err="1"/>
-              <a:t>rozhranie</a:t>
-            </a:r>
-            <a:r>
-              <a:rPr lang="en-US" dirty="0"/>
-              <a:t> pre </a:t>
-            </a:r>
-            <a:r>
-              <a:rPr lang="en-US" dirty="0" err="1"/>
-              <a:t>vkladanie</a:t>
-            </a:r>
-            <a:r>
-              <a:rPr lang="en-US" dirty="0"/>
-              <a:t> </a:t>
-            </a:r>
-            <a:r>
-              <a:rPr lang="en-US" dirty="0" err="1"/>
-              <a:t>otázok</a:t>
-            </a:r>
-            <a:r>
-              <a:rPr lang="en-US" dirty="0"/>
-              <a:t> a </a:t>
-            </a:r>
-            <a:r>
-              <a:rPr lang="en-US" dirty="0" err="1"/>
-              <a:t>vizualizáciu</a:t>
-            </a:r>
-            <a:r>
-              <a:rPr lang="en-US" dirty="0"/>
-              <a:t> </a:t>
-            </a:r>
-            <a:r>
-              <a:rPr lang="en-US" dirty="0" err="1"/>
-              <a:t>nájdených</a:t>
-            </a:r>
-            <a:r>
-              <a:rPr lang="en-US" dirty="0"/>
-              <a:t> </a:t>
-            </a:r>
-            <a:r>
-              <a:rPr lang="en-US" dirty="0" err="1"/>
-              <a:t>grafov</a:t>
-            </a:r>
-            <a:r>
-              <a:rPr lang="en-US" dirty="0"/>
-              <a:t>.</a:t>
-            </a:r>
-          </a:p>
-          <a:p>
-            <a:endParaRPr lang="en-US" dirty="0"/>
+          <a:bodyPr>
+            <a:normAutofit/>
+          </a:bodyPr>
+          <a:lstStyle/>
+          <a:p>
+            <a:r>
+              <a:rPr lang="sk-SK" b="1" noProof="1"/>
+              <a:t>Kontrolný mechanizmus</a:t>
+            </a:r>
+            <a:r>
+              <a:rPr lang="sk-SK" noProof="1"/>
+              <a:t>: LLM posúdi, či sú dáta z grafu dostatočné.</a:t>
+            </a:r>
+          </a:p>
+          <a:p>
+            <a:r>
+              <a:rPr lang="sk-SK" noProof="1"/>
+              <a:t>Kontextová syntéza. Odpoveď sa skladá z:</a:t>
+            </a:r>
+          </a:p>
+          <a:p>
+            <a:pPr lvl="1"/>
+            <a:r>
+              <a:rPr lang="sk-SK" noProof="1"/>
+              <a:t>Znalostných podgrafov (štruktúrované dáta).</a:t>
+            </a:r>
+          </a:p>
+          <a:p>
+            <a:pPr lvl="1"/>
+            <a:r>
+              <a:rPr lang="sk-SK" noProof="1"/>
+              <a:t>Textových chunkov (sémantický kontext).</a:t>
+            </a:r>
+          </a:p>
+          <a:p>
+            <a:pPr lvl="1"/>
+            <a:r>
+              <a:rPr lang="sk-SK" noProof="1"/>
+              <a:t>Pôvodnej a preformulovanej otázky.</a:t>
+            </a:r>
+          </a:p>
+          <a:p>
+            <a:r>
+              <a:rPr lang="sk-SK" b="1" noProof="1"/>
+              <a:t>Gemini Flash</a:t>
+            </a:r>
+            <a:r>
+              <a:rPr lang="sk-SK" noProof="1"/>
+              <a:t>: Vďaka veľkému oknu spracuje všetky vstupy do finálnej právnej analýzy.</a:t>
+            </a:r>
           </a:p>
         </p:txBody>
       </p:sp>
     </p:spTree>
     <p:extLst>
       <p:ext uri="{BB962C8B-B14F-4D97-AF65-F5344CB8AC3E}">
-        <p14:creationId xmlns:p14="http://schemas.microsoft.com/office/powerpoint/2010/main" val="3591138158"/>
+        <p14:creationId xmlns:p14="http://schemas.microsoft.com/office/powerpoint/2010/main" val="2763537026"/>
       </p:ext>
     </p:extLst>
   </p:cSld>
